--- a/ICCAD/進度報告/0418.pptx
+++ b/ICCAD/進度報告/0418.pptx
@@ -106,6 +106,11 @@
       </a:defRPr>
     </a:lvl9pPr>
   </p:defaultTextStyle>
+  <p:extLst>
+    <p:ext uri="{EFAFB233-063F-42B5-8137-9DF3F51BA10A}">
+      <p15:sldGuideLst xmlns:p15="http://schemas.microsoft.com/office/powerpoint/2012/main"/>
+    </p:ext>
+  </p:extLst>
 </p:presentation>
 </file>
 
@@ -3422,7 +3427,7 @@
         </p:nvSpPr>
         <p:spPr>
           <a:xfrm>
-            <a:off x="5605860" y="1202118"/>
+            <a:off x="4084878" y="1224236"/>
             <a:ext cx="1188720" cy="488570"/>
           </a:xfrm>
           <a:prstGeom prst="rect">
@@ -3495,7 +3500,7 @@
         </p:nvSpPr>
         <p:spPr>
           <a:xfrm>
-            <a:off x="5378594" y="1966996"/>
+            <a:off x="3857612" y="1989114"/>
             <a:ext cx="1620774" cy="488570"/>
           </a:xfrm>
           <a:prstGeom prst="rect">
@@ -3568,7 +3573,7 @@
         </p:nvSpPr>
         <p:spPr>
           <a:xfrm>
-            <a:off x="5365153" y="3474367"/>
+            <a:off x="3844171" y="3496485"/>
             <a:ext cx="1620774" cy="488570"/>
           </a:xfrm>
           <a:prstGeom prst="rect">
@@ -3641,7 +3646,7 @@
         </p:nvSpPr>
         <p:spPr>
           <a:xfrm>
-            <a:off x="5378678" y="5021413"/>
+            <a:off x="3857696" y="5043531"/>
             <a:ext cx="1620774" cy="488570"/>
           </a:xfrm>
           <a:prstGeom prst="rect">
@@ -3714,7 +3719,7 @@
         </p:nvSpPr>
         <p:spPr>
           <a:xfrm>
-            <a:off x="5263424" y="5777507"/>
+            <a:off x="3742442" y="5799625"/>
             <a:ext cx="1879473" cy="488570"/>
           </a:xfrm>
           <a:prstGeom prst="rect">
@@ -3787,7 +3792,7 @@
         </p:nvSpPr>
         <p:spPr>
           <a:xfrm>
-            <a:off x="5365153" y="2706654"/>
+            <a:off x="3844171" y="2728772"/>
             <a:ext cx="1620774" cy="488570"/>
           </a:xfrm>
           <a:prstGeom prst="rect">
@@ -3860,7 +3865,7 @@
         </p:nvSpPr>
         <p:spPr>
           <a:xfrm>
-            <a:off x="4959959" y="4242080"/>
+            <a:off x="3438977" y="4264198"/>
             <a:ext cx="2431162" cy="488570"/>
           </a:xfrm>
           <a:prstGeom prst="rect">
@@ -3935,7 +3940,7 @@
         </p:nvCxnSpPr>
         <p:spPr>
           <a:xfrm>
-            <a:off x="6175540" y="3195224"/>
+            <a:off x="4654558" y="3217342"/>
             <a:ext cx="0" cy="267524"/>
           </a:xfrm>
           <a:prstGeom prst="straightConnector1">
@@ -3974,7 +3979,7 @@
         </p:nvCxnSpPr>
         <p:spPr>
           <a:xfrm>
-            <a:off x="6186694" y="1690688"/>
+            <a:off x="4665712" y="1712806"/>
             <a:ext cx="0" cy="267524"/>
           </a:xfrm>
           <a:prstGeom prst="straightConnector1">
@@ -4015,7 +4020,7 @@
         </p:nvCxnSpPr>
         <p:spPr>
           <a:xfrm>
-            <a:off x="6194599" y="2455566"/>
+            <a:off x="4673617" y="2477684"/>
             <a:ext cx="0" cy="267524"/>
           </a:xfrm>
           <a:prstGeom prst="straightConnector1">
@@ -4054,7 +4059,7 @@
         </p:nvCxnSpPr>
         <p:spPr>
           <a:xfrm>
-            <a:off x="6183445" y="3969897"/>
+            <a:off x="4662463" y="3992015"/>
             <a:ext cx="0" cy="267524"/>
           </a:xfrm>
           <a:prstGeom prst="straightConnector1">
@@ -4093,7 +4098,7 @@
         </p:nvCxnSpPr>
         <p:spPr>
           <a:xfrm>
-            <a:off x="6183445" y="4730650"/>
+            <a:off x="4662463" y="4752768"/>
             <a:ext cx="0" cy="267524"/>
           </a:xfrm>
           <a:prstGeom prst="straightConnector1">
@@ -4132,7 +4137,7 @@
         </p:nvCxnSpPr>
         <p:spPr>
           <a:xfrm>
-            <a:off x="6203161" y="5509983"/>
+            <a:off x="4682179" y="5532101"/>
             <a:ext cx="0" cy="267524"/>
           </a:xfrm>
           <a:prstGeom prst="straightConnector1">

--- a/ICCAD/進度報告/0418.pptx
+++ b/ICCAD/進度報告/0418.pptx
@@ -5,9 +5,10 @@
     <p:sldMasterId id="2147483648" r:id="rId1"/>
   </p:sldMasterIdLst>
   <p:sldIdLst>
-    <p:sldId id="292" r:id="rId2"/>
-    <p:sldId id="256" r:id="rId3"/>
-    <p:sldId id="293" r:id="rId4"/>
+    <p:sldId id="256" r:id="rId2"/>
+    <p:sldId id="292" r:id="rId3"/>
+    <p:sldId id="294" r:id="rId4"/>
+    <p:sldId id="282" r:id="rId5"/>
   </p:sldIdLst>
   <p:sldSz cx="12192000" cy="6858000"/>
   <p:notesSz cx="6858000" cy="9144000"/>
@@ -261,7 +262,7 @@
           <a:p>
             <a:fld id="{819956F7-9902-4A89-9BBA-438F679AE42D}" type="datetimeFigureOut">
               <a:rPr lang="zh-TW" altLang="en-US" smtClean="0"/>
-              <a:t>2025/4/16</a:t>
+              <a:t>2025/4/17</a:t>
             </a:fld>
             <a:endParaRPr lang="zh-TW" altLang="en-US"/>
           </a:p>
@@ -459,7 +460,7 @@
           <a:p>
             <a:fld id="{819956F7-9902-4A89-9BBA-438F679AE42D}" type="datetimeFigureOut">
               <a:rPr lang="zh-TW" altLang="en-US" smtClean="0"/>
-              <a:t>2025/4/16</a:t>
+              <a:t>2025/4/17</a:t>
             </a:fld>
             <a:endParaRPr lang="zh-TW" altLang="en-US"/>
           </a:p>
@@ -667,7 +668,7 @@
           <a:p>
             <a:fld id="{819956F7-9902-4A89-9BBA-438F679AE42D}" type="datetimeFigureOut">
               <a:rPr lang="zh-TW" altLang="en-US" smtClean="0"/>
-              <a:t>2025/4/16</a:t>
+              <a:t>2025/4/17</a:t>
             </a:fld>
             <a:endParaRPr lang="zh-TW" altLang="en-US"/>
           </a:p>
@@ -865,7 +866,7 @@
           <a:p>
             <a:fld id="{819956F7-9902-4A89-9BBA-438F679AE42D}" type="datetimeFigureOut">
               <a:rPr lang="zh-TW" altLang="en-US" smtClean="0"/>
-              <a:t>2025/4/16</a:t>
+              <a:t>2025/4/17</a:t>
             </a:fld>
             <a:endParaRPr lang="zh-TW" altLang="en-US"/>
           </a:p>
@@ -1140,7 +1141,7 @@
           <a:p>
             <a:fld id="{819956F7-9902-4A89-9BBA-438F679AE42D}" type="datetimeFigureOut">
               <a:rPr lang="zh-TW" altLang="en-US" smtClean="0"/>
-              <a:t>2025/4/16</a:t>
+              <a:t>2025/4/17</a:t>
             </a:fld>
             <a:endParaRPr lang="zh-TW" altLang="en-US"/>
           </a:p>
@@ -1405,7 +1406,7 @@
           <a:p>
             <a:fld id="{819956F7-9902-4A89-9BBA-438F679AE42D}" type="datetimeFigureOut">
               <a:rPr lang="zh-TW" altLang="en-US" smtClean="0"/>
-              <a:t>2025/4/16</a:t>
+              <a:t>2025/4/17</a:t>
             </a:fld>
             <a:endParaRPr lang="zh-TW" altLang="en-US"/>
           </a:p>
@@ -1817,7 +1818,7 @@
           <a:p>
             <a:fld id="{819956F7-9902-4A89-9BBA-438F679AE42D}" type="datetimeFigureOut">
               <a:rPr lang="zh-TW" altLang="en-US" smtClean="0"/>
-              <a:t>2025/4/16</a:t>
+              <a:t>2025/4/17</a:t>
             </a:fld>
             <a:endParaRPr lang="zh-TW" altLang="en-US"/>
           </a:p>
@@ -1958,7 +1959,7 @@
           <a:p>
             <a:fld id="{819956F7-9902-4A89-9BBA-438F679AE42D}" type="datetimeFigureOut">
               <a:rPr lang="zh-TW" altLang="en-US" smtClean="0"/>
-              <a:t>2025/4/16</a:t>
+              <a:t>2025/4/17</a:t>
             </a:fld>
             <a:endParaRPr lang="zh-TW" altLang="en-US"/>
           </a:p>
@@ -2071,7 +2072,7 @@
           <a:p>
             <a:fld id="{819956F7-9902-4A89-9BBA-438F679AE42D}" type="datetimeFigureOut">
               <a:rPr lang="zh-TW" altLang="en-US" smtClean="0"/>
-              <a:t>2025/4/16</a:t>
+              <a:t>2025/4/17</a:t>
             </a:fld>
             <a:endParaRPr lang="zh-TW" altLang="en-US"/>
           </a:p>
@@ -2382,7 +2383,7 @@
           <a:p>
             <a:fld id="{819956F7-9902-4A89-9BBA-438F679AE42D}" type="datetimeFigureOut">
               <a:rPr lang="zh-TW" altLang="en-US" smtClean="0"/>
-              <a:t>2025/4/16</a:t>
+              <a:t>2025/4/17</a:t>
             </a:fld>
             <a:endParaRPr lang="zh-TW" altLang="en-US"/>
           </a:p>
@@ -2670,7 +2671,7 @@
           <a:p>
             <a:fld id="{819956F7-9902-4A89-9BBA-438F679AE42D}" type="datetimeFigureOut">
               <a:rPr lang="zh-TW" altLang="en-US" smtClean="0"/>
-              <a:t>2025/4/16</a:t>
+              <a:t>2025/4/17</a:t>
             </a:fld>
             <a:endParaRPr lang="zh-TW" altLang="en-US"/>
           </a:p>
@@ -2911,7 +2912,7 @@
           <a:p>
             <a:fld id="{819956F7-9902-4A89-9BBA-438F679AE42D}" type="datetimeFigureOut">
               <a:rPr lang="zh-TW" altLang="en-US" smtClean="0"/>
-              <a:t>2025/4/16</a:t>
+              <a:t>2025/4/17</a:t>
             </a:fld>
             <a:endParaRPr lang="zh-TW" altLang="en-US"/>
           </a:p>
@@ -3316,6 +3317,66 @@
   <p:cSld>
     <p:spTree>
       <p:nvGrpSpPr>
+        <p:cNvPr id="1" name=""/>
+        <p:cNvGrpSpPr/>
+        <p:nvPr/>
+      </p:nvGrpSpPr>
+      <p:grpSpPr>
+        <a:xfrm>
+          <a:off x="0" y="0"/>
+          <a:ext cx="0" cy="0"/>
+          <a:chOff x="0" y="0"/>
+          <a:chExt cx="0" cy="0"/>
+        </a:xfrm>
+      </p:grpSpPr>
+      <p:pic>
+        <p:nvPicPr>
+          <p:cNvPr id="6" name="圖片 5">
+            <a:extLst>
+              <a:ext uri="{FF2B5EF4-FFF2-40B4-BE49-F238E27FC236}">
+                <a16:creationId xmlns:a16="http://schemas.microsoft.com/office/drawing/2014/main" id="{CEB81DF6-679B-E0BD-DEA3-E94D570A68E6}"/>
+              </a:ext>
+            </a:extLst>
+          </p:cNvPr>
+          <p:cNvPicPr>
+            <a:picLocks noChangeAspect="1"/>
+          </p:cNvPicPr>
+          <p:nvPr/>
+        </p:nvPicPr>
+        <p:blipFill>
+          <a:blip r:embed="rId2"/>
+          <a:stretch>
+            <a:fillRect/>
+          </a:stretch>
+        </p:blipFill>
+        <p:spPr>
+          <a:xfrm>
+            <a:off x="2530904" y="1087126"/>
+            <a:ext cx="7581817" cy="4683747"/>
+          </a:xfrm>
+          <a:prstGeom prst="rect">
+            <a:avLst/>
+          </a:prstGeom>
+        </p:spPr>
+      </p:pic>
+    </p:spTree>
+    <p:extLst>
+      <p:ext uri="{BB962C8B-B14F-4D97-AF65-F5344CB8AC3E}">
+        <p14:creationId xmlns:p14="http://schemas.microsoft.com/office/powerpoint/2010/main" val="3758494247"/>
+      </p:ext>
+    </p:extLst>
+  </p:cSld>
+  <p:clrMapOvr>
+    <a:masterClrMapping/>
+  </p:clrMapOvr>
+</p:sld>
+</file>
+
+<file path=ppt/slides/slide2.xml><?xml version="1.0" encoding="utf-8"?>
+<p:sld xmlns:a="http://schemas.openxmlformats.org/drawingml/2006/main" xmlns:r="http://schemas.openxmlformats.org/officeDocument/2006/relationships" xmlns:p="http://schemas.openxmlformats.org/presentationml/2006/main">
+  <p:cSld>
+    <p:spTree>
+      <p:nvGrpSpPr>
         <p:cNvPr id="1" name="">
           <a:extLst>
             <a:ext uri="{FF2B5EF4-FFF2-40B4-BE49-F238E27FC236}">
@@ -3403,7 +3464,7 @@
                   <a:schemeClr val="tx1"/>
                 </a:solidFill>
               </a:rPr>
-              <a:t>1</a:t>
+              <a:t>2</a:t>
             </a:fld>
             <a:endParaRPr lang="zh-TW" altLang="en-US" dirty="0">
               <a:solidFill>
@@ -4162,70 +4223,258 @@
           </a:fontRef>
         </p:style>
       </p:cxnSp>
+      <p:cxnSp>
+        <p:nvCxnSpPr>
+          <p:cNvPr id="12" name="Straight Arrow Connector 11">
+            <a:extLst>
+              <a:ext uri="{FF2B5EF4-FFF2-40B4-BE49-F238E27FC236}">
+                <a16:creationId xmlns:a16="http://schemas.microsoft.com/office/drawing/2014/main" id="{69B9156D-6729-5ABC-66AB-4132FBF878B2}"/>
+              </a:ext>
+            </a:extLst>
+          </p:cNvPr>
+          <p:cNvCxnSpPr/>
+          <p:nvPr/>
+        </p:nvCxnSpPr>
+        <p:spPr>
+          <a:xfrm flipV="1">
+            <a:off x="5478386" y="3754471"/>
+            <a:ext cx="512408" cy="2791"/>
+          </a:xfrm>
+          <a:prstGeom prst="straightConnector1">
+            <a:avLst/>
+          </a:prstGeom>
+          <a:ln>
+            <a:solidFill>
+              <a:srgbClr val="FF0000"/>
+            </a:solidFill>
+            <a:tailEnd type="triangle"/>
+          </a:ln>
+        </p:spPr>
+        <p:style>
+          <a:lnRef idx="2">
+            <a:schemeClr val="accent2"/>
+          </a:lnRef>
+          <a:fillRef idx="0">
+            <a:schemeClr val="accent2"/>
+          </a:fillRef>
+          <a:effectRef idx="1">
+            <a:schemeClr val="accent2"/>
+          </a:effectRef>
+          <a:fontRef idx="minor">
+            <a:schemeClr val="tx1"/>
+          </a:fontRef>
+        </p:style>
+      </p:cxnSp>
+      <p:sp>
+        <p:nvSpPr>
+          <p:cNvPr id="15" name="TextBox 14">
+            <a:extLst>
+              <a:ext uri="{FF2B5EF4-FFF2-40B4-BE49-F238E27FC236}">
+                <a16:creationId xmlns:a16="http://schemas.microsoft.com/office/drawing/2014/main" id="{8666DF94-2D9C-584F-1C8B-5EB717654712}"/>
+              </a:ext>
+            </a:extLst>
+          </p:cNvPr>
+          <p:cNvSpPr txBox="1"/>
+          <p:nvPr/>
+        </p:nvSpPr>
+        <p:spPr>
+          <a:xfrm>
+            <a:off x="6201208" y="3554416"/>
+            <a:ext cx="6097022" cy="400110"/>
+          </a:xfrm>
+          <a:prstGeom prst="rect">
+            <a:avLst/>
+          </a:prstGeom>
+          <a:noFill/>
+        </p:spPr>
+        <p:txBody>
+          <a:bodyPr wrap="square">
+            <a:spAutoFit/>
+          </a:bodyPr>
+          <a:lstStyle/>
+          <a:p>
+            <a:r>
+              <a:rPr lang="en-US" altLang="zh-TW" sz="2000" dirty="0"/>
+              <a:t>Method: </a:t>
+            </a:r>
+            <a:r>
+              <a:rPr lang="en-US" altLang="zh-TW" sz="2000" dirty="0" err="1"/>
+              <a:t>meanshift</a:t>
+            </a:r>
+            <a:r>
+              <a:rPr lang="en-US" altLang="zh-TW" sz="2000" dirty="0"/>
+              <a:t> 2024</a:t>
+            </a:r>
+            <a:endParaRPr lang="zh-TW" altLang="en-US" sz="2000" dirty="0"/>
+          </a:p>
+        </p:txBody>
+      </p:sp>
+      <p:cxnSp>
+        <p:nvCxnSpPr>
+          <p:cNvPr id="18" name="Straight Arrow Connector 17">
+            <a:extLst>
+              <a:ext uri="{FF2B5EF4-FFF2-40B4-BE49-F238E27FC236}">
+                <a16:creationId xmlns:a16="http://schemas.microsoft.com/office/drawing/2014/main" id="{C6FEF323-D0BC-F5A6-699B-0AB44F0EAA2F}"/>
+              </a:ext>
+            </a:extLst>
+          </p:cNvPr>
+          <p:cNvCxnSpPr/>
+          <p:nvPr/>
+        </p:nvCxnSpPr>
+        <p:spPr>
+          <a:xfrm flipV="1">
+            <a:off x="5464945" y="2979478"/>
+            <a:ext cx="512408" cy="2791"/>
+          </a:xfrm>
+          <a:prstGeom prst="straightConnector1">
+            <a:avLst/>
+          </a:prstGeom>
+          <a:ln>
+            <a:solidFill>
+              <a:srgbClr val="FF0000"/>
+            </a:solidFill>
+            <a:tailEnd type="triangle"/>
+          </a:ln>
+        </p:spPr>
+        <p:style>
+          <a:lnRef idx="2">
+            <a:schemeClr val="accent2"/>
+          </a:lnRef>
+          <a:fillRef idx="0">
+            <a:schemeClr val="accent2"/>
+          </a:fillRef>
+          <a:effectRef idx="1">
+            <a:schemeClr val="accent2"/>
+          </a:effectRef>
+          <a:fontRef idx="minor">
+            <a:schemeClr val="tx1"/>
+          </a:fontRef>
+        </p:style>
+      </p:cxnSp>
+      <p:sp>
+        <p:nvSpPr>
+          <p:cNvPr id="21" name="TextBox 20">
+            <a:extLst>
+              <a:ext uri="{FF2B5EF4-FFF2-40B4-BE49-F238E27FC236}">
+                <a16:creationId xmlns:a16="http://schemas.microsoft.com/office/drawing/2014/main" id="{7B91567F-4881-2488-26C2-E2DCAF36A375}"/>
+              </a:ext>
+            </a:extLst>
+          </p:cNvPr>
+          <p:cNvSpPr txBox="1"/>
+          <p:nvPr/>
+        </p:nvSpPr>
+        <p:spPr>
+          <a:xfrm>
+            <a:off x="6149044" y="2676096"/>
+            <a:ext cx="4983314" cy="707886"/>
+          </a:xfrm>
+          <a:prstGeom prst="rect">
+            <a:avLst/>
+          </a:prstGeom>
+          <a:noFill/>
+        </p:spPr>
+        <p:txBody>
+          <a:bodyPr wrap="square">
+            <a:spAutoFit/>
+          </a:bodyPr>
+          <a:lstStyle/>
+          <a:p>
+            <a:r>
+              <a:rPr lang="en-US" altLang="zh-TW" sz="2000" dirty="0"/>
+              <a:t>Method:</a:t>
+            </a:r>
+            <a:r>
+              <a:rPr lang="en-US" altLang="zh-TW" sz="2000" b="0" i="0" u="none" strike="noStrike" baseline="0" dirty="0">
+                <a:latin typeface="NimbusRomNo9L-Medi"/>
+              </a:rPr>
+              <a:t> An Effective Legalization Algorithm for Mixed-Cell-Height Standard Cells</a:t>
+            </a:r>
+            <a:endParaRPr lang="zh-TW" altLang="en-US" sz="2000" dirty="0"/>
+          </a:p>
+        </p:txBody>
+      </p:sp>
+      <p:cxnSp>
+        <p:nvCxnSpPr>
+          <p:cNvPr id="22" name="Straight Arrow Connector 21">
+            <a:extLst>
+              <a:ext uri="{FF2B5EF4-FFF2-40B4-BE49-F238E27FC236}">
+                <a16:creationId xmlns:a16="http://schemas.microsoft.com/office/drawing/2014/main" id="{69B3A1FA-DCF4-CEA4-93F7-E8FD18C76DFE}"/>
+              </a:ext>
+            </a:extLst>
+          </p:cNvPr>
+          <p:cNvCxnSpPr/>
+          <p:nvPr/>
+        </p:nvCxnSpPr>
+        <p:spPr>
+          <a:xfrm flipV="1">
+            <a:off x="5870139" y="4473768"/>
+            <a:ext cx="512408" cy="2791"/>
+          </a:xfrm>
+          <a:prstGeom prst="straightConnector1">
+            <a:avLst/>
+          </a:prstGeom>
+          <a:ln>
+            <a:solidFill>
+              <a:srgbClr val="FF0000"/>
+            </a:solidFill>
+            <a:tailEnd type="triangle"/>
+          </a:ln>
+        </p:spPr>
+        <p:style>
+          <a:lnRef idx="2">
+            <a:schemeClr val="accent2"/>
+          </a:lnRef>
+          <a:fillRef idx="0">
+            <a:schemeClr val="accent2"/>
+          </a:fillRef>
+          <a:effectRef idx="1">
+            <a:schemeClr val="accent2"/>
+          </a:effectRef>
+          <a:fontRef idx="minor">
+            <a:schemeClr val="tx1"/>
+          </a:fontRef>
+        </p:style>
+      </p:cxnSp>
+      <p:sp>
+        <p:nvSpPr>
+          <p:cNvPr id="24" name="TextBox 23">
+            <a:extLst>
+              <a:ext uri="{FF2B5EF4-FFF2-40B4-BE49-F238E27FC236}">
+                <a16:creationId xmlns:a16="http://schemas.microsoft.com/office/drawing/2014/main" id="{25C539C1-80C7-3790-18C7-A596FE481EB1}"/>
+              </a:ext>
+            </a:extLst>
+          </p:cNvPr>
+          <p:cNvSpPr txBox="1"/>
+          <p:nvPr/>
+        </p:nvSpPr>
+        <p:spPr>
+          <a:xfrm>
+            <a:off x="6443758" y="4262250"/>
+            <a:ext cx="6149186" cy="369332"/>
+          </a:xfrm>
+          <a:prstGeom prst="rect">
+            <a:avLst/>
+          </a:prstGeom>
+          <a:noFill/>
+        </p:spPr>
+        <p:txBody>
+          <a:bodyPr wrap="square">
+            <a:spAutoFit/>
+          </a:bodyPr>
+          <a:lstStyle/>
+          <a:p>
+            <a:r>
+              <a:rPr lang="en-US" altLang="zh-TW" sz="1800" dirty="0"/>
+              <a:t>NTUplace3</a:t>
+            </a:r>
+            <a:endParaRPr lang="zh-TW" altLang="en-US" sz="1800" dirty="0"/>
+          </a:p>
+        </p:txBody>
+      </p:sp>
     </p:spTree>
     <p:extLst>
       <p:ext uri="{BB962C8B-B14F-4D97-AF65-F5344CB8AC3E}">
         <p14:creationId xmlns:p14="http://schemas.microsoft.com/office/powerpoint/2010/main" val="2525365566"/>
-      </p:ext>
-    </p:extLst>
-  </p:cSld>
-  <p:clrMapOvr>
-    <a:masterClrMapping/>
-  </p:clrMapOvr>
-</p:sld>
-</file>
-
-<file path=ppt/slides/slide2.xml><?xml version="1.0" encoding="utf-8"?>
-<p:sld xmlns:a="http://schemas.openxmlformats.org/drawingml/2006/main" xmlns:r="http://schemas.openxmlformats.org/officeDocument/2006/relationships" xmlns:p="http://schemas.openxmlformats.org/presentationml/2006/main">
-  <p:cSld>
-    <p:spTree>
-      <p:nvGrpSpPr>
-        <p:cNvPr id="1" name=""/>
-        <p:cNvGrpSpPr/>
-        <p:nvPr/>
-      </p:nvGrpSpPr>
-      <p:grpSpPr>
-        <a:xfrm>
-          <a:off x="0" y="0"/>
-          <a:ext cx="0" cy="0"/>
-          <a:chOff x="0" y="0"/>
-          <a:chExt cx="0" cy="0"/>
-        </a:xfrm>
-      </p:grpSpPr>
-      <p:pic>
-        <p:nvPicPr>
-          <p:cNvPr id="6" name="圖片 5">
-            <a:extLst>
-              <a:ext uri="{FF2B5EF4-FFF2-40B4-BE49-F238E27FC236}">
-                <a16:creationId xmlns:a16="http://schemas.microsoft.com/office/drawing/2014/main" id="{CEB81DF6-679B-E0BD-DEA3-E94D570A68E6}"/>
-              </a:ext>
-            </a:extLst>
-          </p:cNvPr>
-          <p:cNvPicPr>
-            <a:picLocks noChangeAspect="1"/>
-          </p:cNvPicPr>
-          <p:nvPr/>
-        </p:nvPicPr>
-        <p:blipFill>
-          <a:blip r:embed="rId2"/>
-          <a:stretch>
-            <a:fillRect/>
-          </a:stretch>
-        </p:blipFill>
-        <p:spPr>
-          <a:xfrm>
-            <a:off x="2530904" y="1087126"/>
-            <a:ext cx="7581817" cy="4683747"/>
-          </a:xfrm>
-          <a:prstGeom prst="rect">
-            <a:avLst/>
-          </a:prstGeom>
-        </p:spPr>
-      </p:pic>
-    </p:spTree>
-    <p:extLst>
-      <p:ext uri="{BB962C8B-B14F-4D97-AF65-F5344CB8AC3E}">
-        <p14:creationId xmlns:p14="http://schemas.microsoft.com/office/powerpoint/2010/main" val="3758494247"/>
       </p:ext>
     </p:extLst>
   </p:cSld>
@@ -4252,10 +4501,522 @@
           <a:chExt cx="0" cy="0"/>
         </a:xfrm>
       </p:grpSpPr>
+      <p:sp>
+        <p:nvSpPr>
+          <p:cNvPr id="2" name="Title 1">
+            <a:extLst>
+              <a:ext uri="{FF2B5EF4-FFF2-40B4-BE49-F238E27FC236}">
+                <a16:creationId xmlns:a16="http://schemas.microsoft.com/office/drawing/2014/main" id="{D3C9BC00-D7AB-3929-FA49-077531E624B1}"/>
+              </a:ext>
+            </a:extLst>
+          </p:cNvPr>
+          <p:cNvSpPr>
+            <a:spLocks noGrp="1"/>
+          </p:cNvSpPr>
+          <p:nvPr>
+            <p:ph type="ctrTitle"/>
+          </p:nvPr>
+        </p:nvSpPr>
+        <p:spPr>
+          <a:xfrm>
+            <a:off x="70574" y="1127316"/>
+            <a:ext cx="12050851" cy="2387600"/>
+          </a:xfrm>
+        </p:spPr>
+        <p:txBody>
+          <a:bodyPr>
+            <a:noAutofit/>
+          </a:bodyPr>
+          <a:lstStyle/>
+          <a:p>
+            <a:r>
+              <a:rPr lang="en-US" altLang="zh-TW" sz="4400" b="0" i="0" u="none" strike="noStrike" baseline="0" dirty="0">
+                <a:latin typeface="NimbusRomNo9L-Medi"/>
+              </a:rPr>
+              <a:t>An Effective Legalization Algorithm for </a:t>
+            </a:r>
+            <a:br>
+              <a:rPr lang="en-US" altLang="zh-TW" sz="4400" b="0" i="0" u="none" strike="noStrike" baseline="0" dirty="0">
+                <a:latin typeface="NimbusRomNo9L-Medi"/>
+              </a:rPr>
+            </a:br>
+            <a:r>
+              <a:rPr lang="en-US" altLang="zh-TW" sz="4400" b="0" i="0" u="none" strike="noStrike" baseline="0" dirty="0">
+                <a:latin typeface="NimbusRomNo9L-Medi"/>
+              </a:rPr>
+              <a:t>Mixed-Cell-Height Standard Cells</a:t>
+            </a:r>
+            <a:endParaRPr lang="zh-TW" altLang="en-US" sz="4400" dirty="0">
+              <a:latin typeface="Times New Roman" panose="02020603050405020304" pitchFamily="18" charset="0"/>
+              <a:cs typeface="Times New Roman" panose="02020603050405020304" pitchFamily="18" charset="0"/>
+            </a:endParaRPr>
+          </a:p>
+        </p:txBody>
+      </p:sp>
+      <p:sp>
+        <p:nvSpPr>
+          <p:cNvPr id="3" name="Subtitle 2">
+            <a:extLst>
+              <a:ext uri="{FF2B5EF4-FFF2-40B4-BE49-F238E27FC236}">
+                <a16:creationId xmlns:a16="http://schemas.microsoft.com/office/drawing/2014/main" id="{9DB11795-E264-80A0-2764-51904F46A101}"/>
+              </a:ext>
+            </a:extLst>
+          </p:cNvPr>
+          <p:cNvSpPr>
+            <a:spLocks noGrp="1"/>
+          </p:cNvSpPr>
+          <p:nvPr>
+            <p:ph type="subTitle" idx="1"/>
+          </p:nvPr>
+        </p:nvSpPr>
+        <p:spPr>
+          <a:xfrm>
+            <a:off x="1272388" y="3982868"/>
+            <a:ext cx="9144000" cy="1655762"/>
+          </a:xfrm>
+        </p:spPr>
+        <p:txBody>
+          <a:bodyPr>
+            <a:normAutofit/>
+          </a:bodyPr>
+          <a:lstStyle/>
+          <a:p>
+            <a:r>
+              <a:rPr lang="en-US" altLang="zh-TW" sz="2500" dirty="0">
+                <a:latin typeface="Times New Roman" panose="02020603050405020304" pitchFamily="18" charset="0"/>
+                <a:cs typeface="Times New Roman" panose="02020603050405020304" pitchFamily="18" charset="0"/>
+              </a:rPr>
+              <a:t>ASP-DAC</a:t>
+            </a:r>
+            <a:r>
+              <a:rPr lang="zh-TW" altLang="en-US" sz="2500" dirty="0">
+                <a:latin typeface="Times New Roman" panose="02020603050405020304" pitchFamily="18" charset="0"/>
+                <a:cs typeface="Times New Roman" panose="02020603050405020304" pitchFamily="18" charset="0"/>
+              </a:rPr>
+              <a:t> </a:t>
+            </a:r>
+            <a:r>
+              <a:rPr lang="en-US" altLang="zh-TW" sz="2500">
+                <a:latin typeface="Times New Roman" panose="02020603050405020304" pitchFamily="18" charset="0"/>
+                <a:cs typeface="Times New Roman" panose="02020603050405020304" pitchFamily="18" charset="0"/>
+              </a:rPr>
+              <a:t>2017</a:t>
+            </a:r>
+            <a:endParaRPr lang="zh-TW" altLang="en-US" sz="2500" dirty="0">
+              <a:latin typeface="Times New Roman" panose="02020603050405020304" pitchFamily="18" charset="0"/>
+              <a:cs typeface="Times New Roman" panose="02020603050405020304" pitchFamily="18" charset="0"/>
+            </a:endParaRPr>
+          </a:p>
+        </p:txBody>
+      </p:sp>
     </p:spTree>
     <p:extLst>
       <p:ext uri="{BB962C8B-B14F-4D97-AF65-F5344CB8AC3E}">
-        <p14:creationId xmlns:p14="http://schemas.microsoft.com/office/powerpoint/2010/main" val="3311677189"/>
+        <p14:creationId xmlns:p14="http://schemas.microsoft.com/office/powerpoint/2010/main" val="1862343879"/>
+      </p:ext>
+    </p:extLst>
+  </p:cSld>
+  <p:clrMapOvr>
+    <a:masterClrMapping/>
+  </p:clrMapOvr>
+</p:sld>
+</file>
+
+<file path=ppt/slides/slide4.xml><?xml version="1.0" encoding="utf-8"?>
+<p:sld xmlns:a="http://schemas.openxmlformats.org/drawingml/2006/main" xmlns:r="http://schemas.openxmlformats.org/officeDocument/2006/relationships" xmlns:p="http://schemas.openxmlformats.org/presentationml/2006/main">
+  <p:cSld>
+    <p:spTree>
+      <p:nvGrpSpPr>
+        <p:cNvPr id="1" name="">
+          <a:extLst>
+            <a:ext uri="{FF2B5EF4-FFF2-40B4-BE49-F238E27FC236}">
+              <a16:creationId xmlns:a16="http://schemas.microsoft.com/office/drawing/2014/main" id="{41E3A742-02AA-FD83-6D24-D8775E707AF1}"/>
+            </a:ext>
+          </a:extLst>
+        </p:cNvPr>
+        <p:cNvGrpSpPr/>
+        <p:nvPr/>
+      </p:nvGrpSpPr>
+      <p:grpSpPr>
+        <a:xfrm>
+          <a:off x="0" y="0"/>
+          <a:ext cx="0" cy="0"/>
+          <a:chOff x="0" y="0"/>
+          <a:chExt cx="0" cy="0"/>
+        </a:xfrm>
+      </p:grpSpPr>
+      <p:sp>
+        <p:nvSpPr>
+          <p:cNvPr id="2" name="Title 1">
+            <a:extLst>
+              <a:ext uri="{FF2B5EF4-FFF2-40B4-BE49-F238E27FC236}">
+                <a16:creationId xmlns:a16="http://schemas.microsoft.com/office/drawing/2014/main" id="{FFF1AD4E-A0D9-59D1-2940-8C1F854711CA}"/>
+              </a:ext>
+            </a:extLst>
+          </p:cNvPr>
+          <p:cNvSpPr>
+            <a:spLocks noGrp="1"/>
+          </p:cNvSpPr>
+          <p:nvPr>
+            <p:ph type="title"/>
+          </p:nvPr>
+        </p:nvSpPr>
+        <p:spPr/>
+        <p:txBody>
+          <a:bodyPr>
+            <a:normAutofit/>
+          </a:bodyPr>
+          <a:lstStyle/>
+          <a:p>
+            <a:r>
+              <a:rPr lang="en-US" altLang="zh-TW" sz="4000" dirty="0">
+                <a:latin typeface="Times New Roman" panose="02020603050405020304" pitchFamily="18" charset="0"/>
+                <a:cs typeface="Times New Roman" panose="02020603050405020304" pitchFamily="18" charset="0"/>
+              </a:rPr>
+              <a:t>Constraints</a:t>
+            </a:r>
+            <a:endParaRPr lang="zh-TW" altLang="en-US" sz="4000" dirty="0">
+              <a:latin typeface="Times New Roman" panose="02020603050405020304" pitchFamily="18" charset="0"/>
+              <a:cs typeface="Times New Roman" panose="02020603050405020304" pitchFamily="18" charset="0"/>
+            </a:endParaRPr>
+          </a:p>
+        </p:txBody>
+      </p:sp>
+      <p:sp>
+        <p:nvSpPr>
+          <p:cNvPr id="4" name="投影片編號版面配置區 3">
+            <a:extLst>
+              <a:ext uri="{FF2B5EF4-FFF2-40B4-BE49-F238E27FC236}">
+                <a16:creationId xmlns:a16="http://schemas.microsoft.com/office/drawing/2014/main" id="{AF1B160F-1DA0-C3E4-EDFF-A0EF03CAED0E}"/>
+              </a:ext>
+            </a:extLst>
+          </p:cNvPr>
+          <p:cNvSpPr>
+            <a:spLocks noGrp="1"/>
+          </p:cNvSpPr>
+          <p:nvPr>
+            <p:ph type="sldNum" sz="quarter" idx="12"/>
+          </p:nvPr>
+        </p:nvSpPr>
+        <p:spPr>
+          <a:xfrm>
+            <a:off x="8610600" y="6310312"/>
+            <a:ext cx="2743200" cy="365125"/>
+          </a:xfrm>
+        </p:spPr>
+        <p:txBody>
+          <a:bodyPr/>
+          <a:lstStyle/>
+          <a:p>
+            <a:fld id="{9CF5A83B-F48D-49CA-94CB-9DE72BA4E651}" type="slidenum">
+              <a:rPr lang="zh-TW" altLang="en-US" smtClean="0">
+                <a:solidFill>
+                  <a:schemeClr val="tx1"/>
+                </a:solidFill>
+              </a:rPr>
+              <a:t>4</a:t>
+            </a:fld>
+            <a:endParaRPr lang="zh-TW" altLang="en-US" dirty="0">
+              <a:solidFill>
+                <a:schemeClr val="tx1"/>
+              </a:solidFill>
+            </a:endParaRPr>
+          </a:p>
+        </p:txBody>
+      </p:sp>
+      <p:sp>
+        <p:nvSpPr>
+          <p:cNvPr id="12" name="Content Placeholder 2">
+            <a:extLst>
+              <a:ext uri="{FF2B5EF4-FFF2-40B4-BE49-F238E27FC236}">
+                <a16:creationId xmlns:a16="http://schemas.microsoft.com/office/drawing/2014/main" id="{BA0C352C-2877-8C9C-81C6-6296B760B894}"/>
+              </a:ext>
+            </a:extLst>
+          </p:cNvPr>
+          <p:cNvSpPr>
+            <a:spLocks noGrp="1"/>
+          </p:cNvSpPr>
+          <p:nvPr>
+            <p:ph idx="1"/>
+          </p:nvPr>
+        </p:nvSpPr>
+        <p:spPr>
+          <a:xfrm>
+            <a:off x="838200" y="1825624"/>
+            <a:ext cx="10515600" cy="4849813"/>
+          </a:xfrm>
+        </p:spPr>
+        <p:txBody>
+          <a:bodyPr>
+            <a:noAutofit/>
+          </a:bodyPr>
+          <a:lstStyle/>
+          <a:p>
+            <a:r>
+              <a:rPr lang="en-US" altLang="zh-TW" sz="2000" b="0" i="0" u="none" strike="noStrike" baseline="0" dirty="0">
+                <a:solidFill>
+                  <a:srgbClr val="000000"/>
+                </a:solidFill>
+                <a:latin typeface="Times New Roman" panose="02020603050405020304" pitchFamily="18" charset="0"/>
+                <a:cs typeface="Times New Roman" panose="02020603050405020304" pitchFamily="18" charset="0"/>
+              </a:rPr>
+              <a:t>All instances must be placed on-site and within the die region. </a:t>
+            </a:r>
+          </a:p>
+          <a:p>
+            <a:r>
+              <a:rPr lang="en-US" altLang="zh-TW" sz="2000" b="0" i="0" u="none" strike="noStrike" baseline="0" dirty="0">
+                <a:solidFill>
+                  <a:srgbClr val="000000"/>
+                </a:solidFill>
+                <a:latin typeface="Times New Roman" panose="02020603050405020304" pitchFamily="18" charset="0"/>
+                <a:cs typeface="Times New Roman" panose="02020603050405020304" pitchFamily="18" charset="0"/>
+              </a:rPr>
+              <a:t>No overlap</a:t>
+            </a:r>
+          </a:p>
+          <a:p>
+            <a:r>
+              <a:rPr lang="en-US" altLang="zh-TW" sz="2000" dirty="0">
+                <a:solidFill>
+                  <a:srgbClr val="FF0000"/>
+                </a:solidFill>
+                <a:latin typeface="Times New Roman" panose="02020603050405020304" pitchFamily="18" charset="0"/>
+                <a:cs typeface="Times New Roman" panose="02020603050405020304" pitchFamily="18" charset="0"/>
+              </a:rPr>
+              <a:t>Must satisfy utilization rate of each bin </a:t>
+            </a:r>
+            <a:endParaRPr lang="en-US" altLang="zh-TW" sz="2000" b="0" i="0" u="none" strike="noStrike" baseline="0" dirty="0">
+              <a:solidFill>
+                <a:srgbClr val="FF0000"/>
+              </a:solidFill>
+              <a:latin typeface="Times New Roman" panose="02020603050405020304" pitchFamily="18" charset="0"/>
+              <a:cs typeface="Times New Roman" panose="02020603050405020304" pitchFamily="18" charset="0"/>
+            </a:endParaRPr>
+          </a:p>
+          <a:p>
+            <a:r>
+              <a:rPr lang="en-US" altLang="zh-TW" sz="2000" b="0" i="0" u="none" strike="noStrike" baseline="0" dirty="0">
+                <a:solidFill>
+                  <a:srgbClr val="000000"/>
+                </a:solidFill>
+                <a:latin typeface="Times New Roman" panose="02020603050405020304" pitchFamily="18" charset="0"/>
+                <a:cs typeface="Times New Roman" panose="02020603050405020304" pitchFamily="18" charset="0"/>
+              </a:rPr>
+              <a:t>Banking / Debanking Criteria :</a:t>
+            </a:r>
+          </a:p>
+          <a:p>
+            <a:pPr lvl="1"/>
+            <a:r>
+              <a:rPr lang="en-US" altLang="zh-TW" sz="2000" dirty="0">
+                <a:solidFill>
+                  <a:srgbClr val="000000"/>
+                </a:solidFill>
+                <a:latin typeface="Times New Roman" panose="02020603050405020304" pitchFamily="18" charset="0"/>
+                <a:cs typeface="Times New Roman" panose="02020603050405020304" pitchFamily="18" charset="0"/>
+              </a:rPr>
+              <a:t>A</a:t>
+            </a:r>
+            <a:r>
+              <a:rPr lang="en-US" altLang="zh-TW" sz="2000" b="0" i="0" u="none" strike="noStrike" baseline="0" dirty="0">
+                <a:solidFill>
+                  <a:srgbClr val="000000"/>
+                </a:solidFill>
+                <a:latin typeface="Times New Roman" panose="02020603050405020304" pitchFamily="18" charset="0"/>
+                <a:cs typeface="Times New Roman" panose="02020603050405020304" pitchFamily="18" charset="0"/>
+              </a:rPr>
+              <a:t>ll </a:t>
+            </a:r>
+            <a:r>
+              <a:rPr lang="en-US" altLang="zh-TW" sz="2000" b="0" i="0" u="none" strike="noStrike" baseline="0" dirty="0">
+                <a:solidFill>
+                  <a:srgbClr val="0070C0"/>
+                </a:solidFill>
+                <a:latin typeface="Times New Roman" panose="02020603050405020304" pitchFamily="18" charset="0"/>
+                <a:cs typeface="Times New Roman" panose="02020603050405020304" pitchFamily="18" charset="0"/>
+              </a:rPr>
+              <a:t>D pin and Q pin connections need to remain functionally equivalent </a:t>
+            </a:r>
+            <a:r>
+              <a:rPr lang="en-US" altLang="zh-TW" sz="2000" b="0" i="0" u="none" strike="noStrike" baseline="0" dirty="0">
+                <a:solidFill>
+                  <a:srgbClr val="000000"/>
+                </a:solidFill>
+                <a:latin typeface="Times New Roman" panose="02020603050405020304" pitchFamily="18" charset="0"/>
+                <a:cs typeface="Times New Roman" panose="02020603050405020304" pitchFamily="18" charset="0"/>
+              </a:rPr>
+              <a:t>after banking /</a:t>
+            </a:r>
+            <a:r>
+              <a:rPr lang="zh-TW" altLang="en-US" sz="2000" b="0" i="0" u="none" strike="noStrike" baseline="0" dirty="0">
+                <a:solidFill>
+                  <a:srgbClr val="000000"/>
+                </a:solidFill>
+                <a:latin typeface="Times New Roman" panose="02020603050405020304" pitchFamily="18" charset="0"/>
+                <a:cs typeface="Times New Roman" panose="02020603050405020304" pitchFamily="18" charset="0"/>
+              </a:rPr>
+              <a:t> </a:t>
+            </a:r>
+            <a:r>
+              <a:rPr lang="en-US" altLang="zh-TW" sz="2000" b="0" i="0" u="none" strike="noStrike" baseline="0" dirty="0">
+                <a:solidFill>
+                  <a:srgbClr val="000000"/>
+                </a:solidFill>
+                <a:latin typeface="Times New Roman" panose="02020603050405020304" pitchFamily="18" charset="0"/>
+                <a:cs typeface="Times New Roman" panose="02020603050405020304" pitchFamily="18" charset="0"/>
+              </a:rPr>
+              <a:t>debanking, and all </a:t>
+            </a:r>
+            <a:r>
+              <a:rPr lang="en-US" altLang="zh-TW" sz="2000" b="0" i="0" u="none" strike="noStrike" baseline="0" dirty="0">
+                <a:solidFill>
+                  <a:srgbClr val="0070C0"/>
+                </a:solidFill>
+                <a:latin typeface="Times New Roman" panose="02020603050405020304" pitchFamily="18" charset="0"/>
+                <a:cs typeface="Times New Roman" panose="02020603050405020304" pitchFamily="18" charset="0"/>
+              </a:rPr>
+              <a:t>CLK pins need to remain connected to the same clock net</a:t>
+            </a:r>
+            <a:r>
+              <a:rPr lang="en-US" altLang="zh-TW" sz="2000" b="0" i="0" u="none" strike="noStrike" baseline="0" dirty="0">
+                <a:solidFill>
+                  <a:srgbClr val="000000"/>
+                </a:solidFill>
+                <a:latin typeface="Times New Roman" panose="02020603050405020304" pitchFamily="18" charset="0"/>
+                <a:cs typeface="Times New Roman" panose="02020603050405020304" pitchFamily="18" charset="0"/>
+              </a:rPr>
+              <a:t>. </a:t>
+            </a:r>
+          </a:p>
+          <a:p>
+            <a:pPr lvl="1"/>
+            <a:r>
+              <a:rPr lang="en-US" altLang="zh-TW" sz="2000" b="0" i="0" u="none" strike="noStrike" baseline="0" dirty="0">
+                <a:solidFill>
+                  <a:srgbClr val="000000"/>
+                </a:solidFill>
+                <a:latin typeface="Times New Roman" panose="02020603050405020304" pitchFamily="18" charset="0"/>
+                <a:cs typeface="Times New Roman" panose="02020603050405020304" pitchFamily="18" charset="0"/>
+              </a:rPr>
+              <a:t>If there is any </a:t>
+            </a:r>
+            <a:r>
+              <a:rPr lang="en-US" altLang="zh-TW" sz="2000" b="0" i="0" u="none" strike="noStrike" baseline="0" dirty="0">
+                <a:solidFill>
+                  <a:srgbClr val="FF0000"/>
+                </a:solidFill>
+                <a:latin typeface="Times New Roman" panose="02020603050405020304" pitchFamily="18" charset="0"/>
+                <a:cs typeface="Times New Roman" panose="02020603050405020304" pitchFamily="18" charset="0"/>
+              </a:rPr>
+              <a:t>design for testability (DFT) scan chain connection </a:t>
+            </a:r>
+            <a:r>
+              <a:rPr lang="en-US" altLang="zh-TW" sz="2000" b="0" i="0" u="none" strike="noStrike" baseline="0" dirty="0">
+                <a:solidFill>
+                  <a:srgbClr val="000000"/>
+                </a:solidFill>
+                <a:latin typeface="Times New Roman" panose="02020603050405020304" pitchFamily="18" charset="0"/>
+                <a:cs typeface="Times New Roman" panose="02020603050405020304" pitchFamily="18" charset="0"/>
+              </a:rPr>
+              <a:t>on scan-input (SI) or scan-output (SO) pins of the lower / higher-bit flip-flops, the banking / debanking process should </a:t>
+            </a:r>
+            <a:r>
+              <a:rPr lang="en-US" altLang="zh-TW" sz="2000" b="0" i="0" u="none" strike="noStrike" baseline="0" dirty="0">
+                <a:solidFill>
+                  <a:srgbClr val="FF0000"/>
+                </a:solidFill>
+                <a:latin typeface="Times New Roman" panose="02020603050405020304" pitchFamily="18" charset="0"/>
+                <a:cs typeface="Times New Roman" panose="02020603050405020304" pitchFamily="18" charset="0"/>
+              </a:rPr>
+              <a:t>honor the scan chain connection</a:t>
+            </a:r>
+            <a:r>
+              <a:rPr lang="en-US" altLang="zh-TW" sz="2000" b="0" i="0" u="none" strike="noStrike" baseline="0" dirty="0">
+                <a:solidFill>
+                  <a:srgbClr val="000000"/>
+                </a:solidFill>
+                <a:latin typeface="Times New Roman" panose="02020603050405020304" pitchFamily="18" charset="0"/>
+                <a:cs typeface="Times New Roman" panose="02020603050405020304" pitchFamily="18" charset="0"/>
+              </a:rPr>
+              <a:t>.</a:t>
+            </a:r>
+          </a:p>
+          <a:p>
+            <a:endParaRPr lang="en-US" altLang="zh-TW" sz="2400" i="0" dirty="0">
+              <a:solidFill>
+                <a:srgbClr val="333333"/>
+              </a:solidFill>
+              <a:effectLst/>
+              <a:latin typeface="Times New Roman" panose="02020603050405020304" pitchFamily="18" charset="0"/>
+              <a:cs typeface="Times New Roman" panose="02020603050405020304" pitchFamily="18" charset="0"/>
+            </a:endParaRPr>
+          </a:p>
+        </p:txBody>
+      </p:sp>
+      <p:pic>
+        <p:nvPicPr>
+          <p:cNvPr id="5" name="Picture 4">
+            <a:extLst>
+              <a:ext uri="{FF2B5EF4-FFF2-40B4-BE49-F238E27FC236}">
+                <a16:creationId xmlns:a16="http://schemas.microsoft.com/office/drawing/2014/main" id="{631EF7FA-435C-6977-8678-F0C04CAA74C4}"/>
+              </a:ext>
+            </a:extLst>
+          </p:cNvPr>
+          <p:cNvPicPr>
+            <a:picLocks noChangeAspect="1"/>
+          </p:cNvPicPr>
+          <p:nvPr/>
+        </p:nvPicPr>
+        <p:blipFill>
+          <a:blip r:embed="rId2"/>
+          <a:srcRect t="2936" b="16549"/>
+          <a:stretch/>
+        </p:blipFill>
+        <p:spPr>
+          <a:xfrm>
+            <a:off x="5248502" y="4640449"/>
+            <a:ext cx="4495839" cy="2169924"/>
+          </a:xfrm>
+          <a:prstGeom prst="rect">
+            <a:avLst/>
+          </a:prstGeom>
+        </p:spPr>
+      </p:pic>
+      <p:pic>
+        <p:nvPicPr>
+          <p:cNvPr id="6" name="圖片 5">
+            <a:extLst>
+              <a:ext uri="{FF2B5EF4-FFF2-40B4-BE49-F238E27FC236}">
+                <a16:creationId xmlns:a16="http://schemas.microsoft.com/office/drawing/2014/main" id="{CFDC1D95-AEED-B034-673F-6A76DB775DDF}"/>
+              </a:ext>
+            </a:extLst>
+          </p:cNvPr>
+          <p:cNvPicPr>
+            <a:picLocks noChangeAspect="1"/>
+          </p:cNvPicPr>
+          <p:nvPr/>
+        </p:nvPicPr>
+        <p:blipFill>
+          <a:blip r:embed="rId3"/>
+          <a:stretch>
+            <a:fillRect/>
+          </a:stretch>
+        </p:blipFill>
+        <p:spPr>
+          <a:xfrm>
+            <a:off x="7867050" y="182563"/>
+            <a:ext cx="4200207" cy="2416748"/>
+          </a:xfrm>
+          <a:prstGeom prst="rect">
+            <a:avLst/>
+          </a:prstGeom>
+        </p:spPr>
+      </p:pic>
+    </p:spTree>
+    <p:extLst>
+      <p:ext uri="{BB962C8B-B14F-4D97-AF65-F5344CB8AC3E}">
+        <p14:creationId xmlns:p14="http://schemas.microsoft.com/office/powerpoint/2010/main" val="1436749394"/>
       </p:ext>
     </p:extLst>
   </p:cSld>

--- a/ICCAD/進度報告/0418.pptx
+++ b/ICCAD/進度報告/0418.pptx
@@ -8,7 +8,11 @@
     <p:sldId id="256" r:id="rId2"/>
     <p:sldId id="292" r:id="rId3"/>
     <p:sldId id="294" r:id="rId4"/>
-    <p:sldId id="282" r:id="rId5"/>
+    <p:sldId id="296" r:id="rId5"/>
+    <p:sldId id="295" r:id="rId6"/>
+    <p:sldId id="282" r:id="rId7"/>
+    <p:sldId id="300" r:id="rId8"/>
+    <p:sldId id="297" r:id="rId9"/>
   </p:sldIdLst>
   <p:sldSz cx="12192000" cy="6858000"/>
   <p:notesSz cx="6858000" cy="9144000"/>
@@ -3351,14 +3355,320 @@
         </p:blipFill>
         <p:spPr>
           <a:xfrm>
-            <a:off x="2530904" y="1087126"/>
-            <a:ext cx="7581817" cy="4683747"/>
+            <a:off x="2407654" y="769901"/>
+            <a:ext cx="5611829" cy="3466766"/>
           </a:xfrm>
           <a:prstGeom prst="rect">
             <a:avLst/>
           </a:prstGeom>
         </p:spPr>
       </p:pic>
+      <p:sp>
+        <p:nvSpPr>
+          <p:cNvPr id="2" name="Content Placeholder 2">
+            <a:extLst>
+              <a:ext uri="{FF2B5EF4-FFF2-40B4-BE49-F238E27FC236}">
+                <a16:creationId xmlns:a16="http://schemas.microsoft.com/office/drawing/2014/main" id="{6598C22F-2AC2-8BFF-06C4-EE6F53DC6EFF}"/>
+              </a:ext>
+            </a:extLst>
+          </p:cNvPr>
+          <p:cNvSpPr txBox="1">
+            <a:spLocks/>
+          </p:cNvSpPr>
+          <p:nvPr/>
+        </p:nvSpPr>
+        <p:spPr>
+          <a:xfrm>
+            <a:off x="1050202" y="4354716"/>
+            <a:ext cx="9469924" cy="2108084"/>
+          </a:xfrm>
+          <a:prstGeom prst="rect">
+            <a:avLst/>
+          </a:prstGeom>
+        </p:spPr>
+        <p:txBody>
+          <a:bodyPr vert="horz" lIns="91440" tIns="45720" rIns="91440" bIns="45720" rtlCol="0">
+            <a:noAutofit/>
+          </a:bodyPr>
+          <a:lstStyle>
+            <a:lvl1pPr marL="0" indent="0" algn="ctr" defTabSz="914400" rtl="0" eaLnBrk="1" latinLnBrk="0" hangingPunct="1">
+              <a:lnSpc>
+                <a:spcPct val="90000"/>
+              </a:lnSpc>
+              <a:spcBef>
+                <a:spcPts val="1000"/>
+              </a:spcBef>
+              <a:buFont typeface="Arial" panose="020B0604020202020204" pitchFamily="34" charset="0"/>
+              <a:buNone/>
+              <a:defRPr sz="2400" kern="1200">
+                <a:solidFill>
+                  <a:schemeClr val="tx1"/>
+                </a:solidFill>
+                <a:latin typeface="+mn-lt"/>
+                <a:ea typeface="+mn-ea"/>
+                <a:cs typeface="+mn-cs"/>
+              </a:defRPr>
+            </a:lvl1pPr>
+            <a:lvl2pPr marL="457200" indent="0" algn="ctr" defTabSz="914400" rtl="0" eaLnBrk="1" latinLnBrk="0" hangingPunct="1">
+              <a:lnSpc>
+                <a:spcPct val="90000"/>
+              </a:lnSpc>
+              <a:spcBef>
+                <a:spcPts val="500"/>
+              </a:spcBef>
+              <a:buFont typeface="Arial" panose="020B0604020202020204" pitchFamily="34" charset="0"/>
+              <a:buNone/>
+              <a:defRPr sz="2000" kern="1200">
+                <a:solidFill>
+                  <a:schemeClr val="tx1"/>
+                </a:solidFill>
+                <a:latin typeface="+mn-lt"/>
+                <a:ea typeface="+mn-ea"/>
+                <a:cs typeface="+mn-cs"/>
+              </a:defRPr>
+            </a:lvl2pPr>
+            <a:lvl3pPr marL="914400" indent="0" algn="ctr" defTabSz="914400" rtl="0" eaLnBrk="1" latinLnBrk="0" hangingPunct="1">
+              <a:lnSpc>
+                <a:spcPct val="90000"/>
+              </a:lnSpc>
+              <a:spcBef>
+                <a:spcPts val="500"/>
+              </a:spcBef>
+              <a:buFont typeface="Arial" panose="020B0604020202020204" pitchFamily="34" charset="0"/>
+              <a:buNone/>
+              <a:defRPr sz="1800" kern="1200">
+                <a:solidFill>
+                  <a:schemeClr val="tx1"/>
+                </a:solidFill>
+                <a:latin typeface="+mn-lt"/>
+                <a:ea typeface="+mn-ea"/>
+                <a:cs typeface="+mn-cs"/>
+              </a:defRPr>
+            </a:lvl3pPr>
+            <a:lvl4pPr marL="1371600" indent="0" algn="ctr" defTabSz="914400" rtl="0" eaLnBrk="1" latinLnBrk="0" hangingPunct="1">
+              <a:lnSpc>
+                <a:spcPct val="90000"/>
+              </a:lnSpc>
+              <a:spcBef>
+                <a:spcPts val="500"/>
+              </a:spcBef>
+              <a:buFont typeface="Arial" panose="020B0604020202020204" pitchFamily="34" charset="0"/>
+              <a:buNone/>
+              <a:defRPr sz="1600" kern="1200">
+                <a:solidFill>
+                  <a:schemeClr val="tx1"/>
+                </a:solidFill>
+                <a:latin typeface="+mn-lt"/>
+                <a:ea typeface="+mn-ea"/>
+                <a:cs typeface="+mn-cs"/>
+              </a:defRPr>
+            </a:lvl4pPr>
+            <a:lvl5pPr marL="1828800" indent="0" algn="ctr" defTabSz="914400" rtl="0" eaLnBrk="1" latinLnBrk="0" hangingPunct="1">
+              <a:lnSpc>
+                <a:spcPct val="90000"/>
+              </a:lnSpc>
+              <a:spcBef>
+                <a:spcPts val="500"/>
+              </a:spcBef>
+              <a:buFont typeface="Arial" panose="020B0604020202020204" pitchFamily="34" charset="0"/>
+              <a:buNone/>
+              <a:defRPr sz="1600" kern="1200">
+                <a:solidFill>
+                  <a:schemeClr val="tx1"/>
+                </a:solidFill>
+                <a:latin typeface="+mn-lt"/>
+                <a:ea typeface="+mn-ea"/>
+                <a:cs typeface="+mn-cs"/>
+              </a:defRPr>
+            </a:lvl5pPr>
+            <a:lvl6pPr marL="2286000" indent="0" algn="ctr" defTabSz="914400" rtl="0" eaLnBrk="1" latinLnBrk="0" hangingPunct="1">
+              <a:lnSpc>
+                <a:spcPct val="90000"/>
+              </a:lnSpc>
+              <a:spcBef>
+                <a:spcPts val="500"/>
+              </a:spcBef>
+              <a:buFont typeface="Arial" panose="020B0604020202020204" pitchFamily="34" charset="0"/>
+              <a:buNone/>
+              <a:defRPr sz="1600" kern="1200">
+                <a:solidFill>
+                  <a:schemeClr val="tx1"/>
+                </a:solidFill>
+                <a:latin typeface="+mn-lt"/>
+                <a:ea typeface="+mn-ea"/>
+                <a:cs typeface="+mn-cs"/>
+              </a:defRPr>
+            </a:lvl6pPr>
+            <a:lvl7pPr marL="2743200" indent="0" algn="ctr" defTabSz="914400" rtl="0" eaLnBrk="1" latinLnBrk="0" hangingPunct="1">
+              <a:lnSpc>
+                <a:spcPct val="90000"/>
+              </a:lnSpc>
+              <a:spcBef>
+                <a:spcPts val="500"/>
+              </a:spcBef>
+              <a:buFont typeface="Arial" panose="020B0604020202020204" pitchFamily="34" charset="0"/>
+              <a:buNone/>
+              <a:defRPr sz="1600" kern="1200">
+                <a:solidFill>
+                  <a:schemeClr val="tx1"/>
+                </a:solidFill>
+                <a:latin typeface="+mn-lt"/>
+                <a:ea typeface="+mn-ea"/>
+                <a:cs typeface="+mn-cs"/>
+              </a:defRPr>
+            </a:lvl7pPr>
+            <a:lvl8pPr marL="3200400" indent="0" algn="ctr" defTabSz="914400" rtl="0" eaLnBrk="1" latinLnBrk="0" hangingPunct="1">
+              <a:lnSpc>
+                <a:spcPct val="90000"/>
+              </a:lnSpc>
+              <a:spcBef>
+                <a:spcPts val="500"/>
+              </a:spcBef>
+              <a:buFont typeface="Arial" panose="020B0604020202020204" pitchFamily="34" charset="0"/>
+              <a:buNone/>
+              <a:defRPr sz="1600" kern="1200">
+                <a:solidFill>
+                  <a:schemeClr val="tx1"/>
+                </a:solidFill>
+                <a:latin typeface="+mn-lt"/>
+                <a:ea typeface="+mn-ea"/>
+                <a:cs typeface="+mn-cs"/>
+              </a:defRPr>
+            </a:lvl8pPr>
+            <a:lvl9pPr marL="3657600" indent="0" algn="ctr" defTabSz="914400" rtl="0" eaLnBrk="1" latinLnBrk="0" hangingPunct="1">
+              <a:lnSpc>
+                <a:spcPct val="90000"/>
+              </a:lnSpc>
+              <a:spcBef>
+                <a:spcPts val="500"/>
+              </a:spcBef>
+              <a:buFont typeface="Arial" panose="020B0604020202020204" pitchFamily="34" charset="0"/>
+              <a:buNone/>
+              <a:defRPr sz="1600" kern="1200">
+                <a:solidFill>
+                  <a:schemeClr val="tx1"/>
+                </a:solidFill>
+                <a:latin typeface="+mn-lt"/>
+                <a:ea typeface="+mn-ea"/>
+                <a:cs typeface="+mn-cs"/>
+              </a:defRPr>
+            </a:lvl9pPr>
+          </a:lstStyle>
+          <a:p>
+            <a:pPr marL="342900" indent="-342900" algn="l">
+              <a:lnSpc>
+                <a:spcPct val="150000"/>
+              </a:lnSpc>
+              <a:buFont typeface="Arial" panose="020B0604020202020204" pitchFamily="34" charset="0"/>
+              <a:buChar char="•"/>
+            </a:pPr>
+            <a:r>
+              <a:rPr lang="en-US" altLang="zh-TW" sz="2000" dirty="0">
+                <a:solidFill>
+                  <a:srgbClr val="000000"/>
+                </a:solidFill>
+                <a:latin typeface="Times New Roman" panose="02020603050405020304" pitchFamily="18" charset="0"/>
+                <a:cs typeface="Times New Roman" panose="02020603050405020304" pitchFamily="18" charset="0"/>
+              </a:rPr>
+              <a:t>We assume all combinational gate delays are equal or 0. contestants don’t need to consider the combinational gate delay when calculating arrival time.</a:t>
+            </a:r>
+          </a:p>
+          <a:p>
+            <a:pPr marL="342900" indent="-342900" algn="l">
+              <a:lnSpc>
+                <a:spcPct val="150000"/>
+              </a:lnSpc>
+              <a:buFont typeface="Arial" panose="020B0604020202020204" pitchFamily="34" charset="0"/>
+              <a:buChar char="•"/>
+            </a:pPr>
+            <a:r>
+              <a:rPr lang="en-US" altLang="zh-TW" sz="2000" dirty="0">
+                <a:solidFill>
+                  <a:srgbClr val="000000"/>
+                </a:solidFill>
+                <a:latin typeface="Times New Roman" panose="02020603050405020304" pitchFamily="18" charset="0"/>
+                <a:cs typeface="Times New Roman" panose="02020603050405020304" pitchFamily="18" charset="0"/>
+              </a:rPr>
+              <a:t>We do not need to consider the clock delay and clock skew.</a:t>
+            </a:r>
+          </a:p>
+          <a:p>
+            <a:pPr marL="342900" indent="-342900" algn="l">
+              <a:lnSpc>
+                <a:spcPct val="150000"/>
+              </a:lnSpc>
+              <a:buFont typeface="Arial" panose="020B0604020202020204" pitchFamily="34" charset="0"/>
+              <a:buChar char="•"/>
+            </a:pPr>
+            <a:r>
+              <a:rPr lang="en-US" altLang="zh-TW" sz="2000" dirty="0">
+                <a:solidFill>
+                  <a:srgbClr val="000000"/>
+                </a:solidFill>
+                <a:latin typeface="Times New Roman" panose="02020603050405020304" pitchFamily="18" charset="0"/>
+                <a:cs typeface="Times New Roman" panose="02020603050405020304" pitchFamily="18" charset="0"/>
+              </a:rPr>
+              <a:t>Input</a:t>
+            </a:r>
+            <a:r>
+              <a:rPr lang="zh-TW" altLang="en-US" sz="2000" dirty="0">
+                <a:solidFill>
+                  <a:srgbClr val="000000"/>
+                </a:solidFill>
+                <a:latin typeface="Times New Roman" panose="02020603050405020304" pitchFamily="18" charset="0"/>
+                <a:cs typeface="Times New Roman" panose="02020603050405020304" pitchFamily="18" charset="0"/>
+              </a:rPr>
+              <a:t> </a:t>
+            </a:r>
+            <a:r>
+              <a:rPr lang="en-US" altLang="zh-TW" sz="2000" dirty="0">
+                <a:solidFill>
+                  <a:srgbClr val="000000"/>
+                </a:solidFill>
+                <a:latin typeface="Times New Roman" panose="02020603050405020304" pitchFamily="18" charset="0"/>
+                <a:cs typeface="Times New Roman" panose="02020603050405020304" pitchFamily="18" charset="0"/>
+              </a:rPr>
+              <a:t>may has illegal cells. (cells not on site, out of placement area)</a:t>
+            </a:r>
+          </a:p>
+          <a:p>
+            <a:pPr algn="l"/>
+            <a:endParaRPr lang="en-US" altLang="zh-TW" sz="2000" dirty="0">
+              <a:solidFill>
+                <a:srgbClr val="000000"/>
+              </a:solidFill>
+              <a:latin typeface="Times New Roman" panose="02020603050405020304" pitchFamily="18" charset="0"/>
+              <a:cs typeface="Times New Roman" panose="02020603050405020304" pitchFamily="18" charset="0"/>
+            </a:endParaRPr>
+          </a:p>
+          <a:p>
+            <a:pPr marL="342900" indent="-342900" algn="l">
+              <a:buFont typeface="Arial" panose="020B0604020202020204" pitchFamily="34" charset="0"/>
+              <a:buChar char="•"/>
+            </a:pPr>
+            <a:endParaRPr lang="en-US" altLang="zh-TW" sz="2000" dirty="0">
+              <a:solidFill>
+                <a:srgbClr val="000000"/>
+              </a:solidFill>
+              <a:latin typeface="Times New Roman" panose="02020603050405020304" pitchFamily="18" charset="0"/>
+              <a:cs typeface="Times New Roman" panose="02020603050405020304" pitchFamily="18" charset="0"/>
+            </a:endParaRPr>
+          </a:p>
+          <a:p>
+            <a:pPr marL="342900" indent="-342900">
+              <a:buFont typeface="Arial" panose="020B0604020202020204" pitchFamily="34" charset="0"/>
+              <a:buChar char="•"/>
+            </a:pPr>
+            <a:endParaRPr lang="en-US" altLang="zh-TW" sz="2000" dirty="0">
+              <a:solidFill>
+                <a:srgbClr val="000000"/>
+              </a:solidFill>
+              <a:latin typeface="Times New Roman" panose="02020603050405020304" pitchFamily="18" charset="0"/>
+              <a:cs typeface="Times New Roman" panose="02020603050405020304" pitchFamily="18" charset="0"/>
+            </a:endParaRPr>
+          </a:p>
+        </p:txBody>
+      </p:sp>
     </p:spTree>
     <p:extLst>
       <p:ext uri="{BB962C8B-B14F-4D97-AF65-F5344CB8AC3E}">
@@ -3488,7 +3798,7 @@
         </p:nvSpPr>
         <p:spPr>
           <a:xfrm>
-            <a:off x="4084878" y="1224236"/>
+            <a:off x="4150123" y="1658431"/>
             <a:ext cx="1188720" cy="488570"/>
           </a:xfrm>
           <a:prstGeom prst="rect">
@@ -3561,7 +3871,7 @@
         </p:nvSpPr>
         <p:spPr>
           <a:xfrm>
-            <a:off x="3857612" y="1989114"/>
+            <a:off x="3922857" y="2423309"/>
             <a:ext cx="1620774" cy="488570"/>
           </a:xfrm>
           <a:prstGeom prst="rect">
@@ -3634,7 +3944,7 @@
         </p:nvSpPr>
         <p:spPr>
           <a:xfrm>
-            <a:off x="3844171" y="3496485"/>
+            <a:off x="3928475" y="3179301"/>
             <a:ext cx="1620774" cy="488570"/>
           </a:xfrm>
           <a:prstGeom prst="rect">
@@ -3707,7 +4017,7 @@
         </p:nvSpPr>
         <p:spPr>
           <a:xfrm>
-            <a:off x="3857696" y="5043531"/>
+            <a:off x="3928475" y="3967418"/>
             <a:ext cx="1620774" cy="488570"/>
           </a:xfrm>
           <a:prstGeom prst="rect">
@@ -3780,7 +4090,7 @@
         </p:nvSpPr>
         <p:spPr>
           <a:xfrm>
-            <a:off x="3742442" y="5799625"/>
+            <a:off x="3791220" y="4755535"/>
             <a:ext cx="1879473" cy="488570"/>
           </a:xfrm>
           <a:prstGeom prst="rect">
@@ -3839,193 +4149,6 @@
           </a:p>
         </p:txBody>
       </p:sp>
-      <p:sp>
-        <p:nvSpPr>
-          <p:cNvPr id="14" name="矩形 13">
-            <a:extLst>
-              <a:ext uri="{FF2B5EF4-FFF2-40B4-BE49-F238E27FC236}">
-                <a16:creationId xmlns:a16="http://schemas.microsoft.com/office/drawing/2014/main" id="{45E87560-24CB-261C-C9CB-01D454EDC08D}"/>
-              </a:ext>
-            </a:extLst>
-          </p:cNvPr>
-          <p:cNvSpPr/>
-          <p:nvPr/>
-        </p:nvSpPr>
-        <p:spPr>
-          <a:xfrm>
-            <a:off x="3844171" y="2728772"/>
-            <a:ext cx="1620774" cy="488570"/>
-          </a:xfrm>
-          <a:prstGeom prst="rect">
-            <a:avLst/>
-          </a:prstGeom>
-          <a:solidFill>
-            <a:schemeClr val="accent1">
-              <a:lumMod val="20000"/>
-              <a:lumOff val="80000"/>
-            </a:schemeClr>
-          </a:solidFill>
-          <a:ln>
-            <a:solidFill>
-              <a:schemeClr val="accent1"/>
-            </a:solidFill>
-          </a:ln>
-        </p:spPr>
-        <p:style>
-          <a:lnRef idx="2">
-            <a:schemeClr val="accent1">
-              <a:shade val="15000"/>
-            </a:schemeClr>
-          </a:lnRef>
-          <a:fillRef idx="1">
-            <a:schemeClr val="accent1"/>
-          </a:fillRef>
-          <a:effectRef idx="0">
-            <a:schemeClr val="accent1"/>
-          </a:effectRef>
-          <a:fontRef idx="minor">
-            <a:schemeClr val="lt1"/>
-          </a:fontRef>
-        </p:style>
-        <p:txBody>
-          <a:bodyPr rtlCol="0" anchor="ctr"/>
-          <a:lstStyle/>
-          <a:p>
-            <a:pPr algn="ctr"/>
-            <a:r>
-              <a:rPr lang="en-US" altLang="zh-TW" dirty="0">
-                <a:solidFill>
-                  <a:schemeClr val="tx1"/>
-                </a:solidFill>
-                <a:latin typeface="Times New Roman" panose="02020603050405020304" pitchFamily="18" charset="0"/>
-                <a:cs typeface="Times New Roman" panose="02020603050405020304" pitchFamily="18" charset="0"/>
-              </a:rPr>
-              <a:t>Legalization</a:t>
-            </a:r>
-            <a:endParaRPr lang="zh-TW" altLang="en-US" dirty="0">
-              <a:solidFill>
-                <a:schemeClr val="tx1"/>
-              </a:solidFill>
-              <a:latin typeface="Times New Roman" panose="02020603050405020304" pitchFamily="18" charset="0"/>
-              <a:cs typeface="Times New Roman" panose="02020603050405020304" pitchFamily="18" charset="0"/>
-            </a:endParaRPr>
-          </a:p>
-        </p:txBody>
-      </p:sp>
-      <p:sp>
-        <p:nvSpPr>
-          <p:cNvPr id="16" name="矩形 15">
-            <a:extLst>
-              <a:ext uri="{FF2B5EF4-FFF2-40B4-BE49-F238E27FC236}">
-                <a16:creationId xmlns:a16="http://schemas.microsoft.com/office/drawing/2014/main" id="{C595DF91-EB18-4FDC-DA54-4236BD447E9B}"/>
-              </a:ext>
-            </a:extLst>
-          </p:cNvPr>
-          <p:cNvSpPr/>
-          <p:nvPr/>
-        </p:nvSpPr>
-        <p:spPr>
-          <a:xfrm>
-            <a:off x="3438977" y="4264198"/>
-            <a:ext cx="2431162" cy="488570"/>
-          </a:xfrm>
-          <a:prstGeom prst="rect">
-            <a:avLst/>
-          </a:prstGeom>
-          <a:solidFill>
-            <a:schemeClr val="accent1">
-              <a:lumMod val="20000"/>
-              <a:lumOff val="80000"/>
-            </a:schemeClr>
-          </a:solidFill>
-          <a:ln>
-            <a:solidFill>
-              <a:schemeClr val="accent1"/>
-            </a:solidFill>
-          </a:ln>
-        </p:spPr>
-        <p:style>
-          <a:lnRef idx="2">
-            <a:schemeClr val="accent1">
-              <a:shade val="15000"/>
-            </a:schemeClr>
-          </a:lnRef>
-          <a:fillRef idx="1">
-            <a:schemeClr val="accent1"/>
-          </a:fillRef>
-          <a:effectRef idx="0">
-            <a:schemeClr val="accent1"/>
-          </a:effectRef>
-          <a:fontRef idx="minor">
-            <a:schemeClr val="lt1"/>
-          </a:fontRef>
-        </p:style>
-        <p:txBody>
-          <a:bodyPr rtlCol="0" anchor="ctr"/>
-          <a:lstStyle/>
-          <a:p>
-            <a:pPr algn="ctr"/>
-            <a:r>
-              <a:rPr lang="en-US" altLang="zh-TW" dirty="0" err="1">
-                <a:solidFill>
-                  <a:schemeClr val="tx1"/>
-                </a:solidFill>
-                <a:latin typeface="Times New Roman" panose="02020603050405020304" pitchFamily="18" charset="0"/>
-                <a:cs typeface="Times New Roman" panose="02020603050405020304" pitchFamily="18" charset="0"/>
-              </a:rPr>
-              <a:t>GlobalPlacement</a:t>
-            </a:r>
-            <a:endParaRPr lang="zh-TW" altLang="en-US" dirty="0">
-              <a:solidFill>
-                <a:schemeClr val="tx1"/>
-              </a:solidFill>
-              <a:latin typeface="Times New Roman" panose="02020603050405020304" pitchFamily="18" charset="0"/>
-              <a:cs typeface="Times New Roman" panose="02020603050405020304" pitchFamily="18" charset="0"/>
-            </a:endParaRPr>
-          </a:p>
-        </p:txBody>
-      </p:sp>
-      <p:cxnSp>
-        <p:nvCxnSpPr>
-          <p:cNvPr id="36" name="直線單箭頭接點 35">
-            <a:extLst>
-              <a:ext uri="{FF2B5EF4-FFF2-40B4-BE49-F238E27FC236}">
-                <a16:creationId xmlns:a16="http://schemas.microsoft.com/office/drawing/2014/main" id="{EC5AF965-083E-DE5A-06BA-16C74185B166}"/>
-              </a:ext>
-            </a:extLst>
-          </p:cNvPr>
-          <p:cNvCxnSpPr>
-            <a:stCxn id="14" idx="2"/>
-          </p:cNvCxnSpPr>
-          <p:nvPr/>
-        </p:nvCxnSpPr>
-        <p:spPr>
-          <a:xfrm>
-            <a:off x="4654558" y="3217342"/>
-            <a:ext cx="0" cy="267524"/>
-          </a:xfrm>
-          <a:prstGeom prst="straightConnector1">
-            <a:avLst/>
-          </a:prstGeom>
-          <a:ln>
-            <a:tailEnd type="triangle"/>
-          </a:ln>
-        </p:spPr>
-        <p:style>
-          <a:lnRef idx="2">
-            <a:schemeClr val="accent1"/>
-          </a:lnRef>
-          <a:fillRef idx="0">
-            <a:schemeClr val="accent1"/>
-          </a:fillRef>
-          <a:effectRef idx="1">
-            <a:schemeClr val="accent1"/>
-          </a:effectRef>
-          <a:fontRef idx="minor">
-            <a:schemeClr val="tx1"/>
-          </a:fontRef>
-        </p:style>
-      </p:cxnSp>
       <p:cxnSp>
         <p:nvCxnSpPr>
           <p:cNvPr id="37" name="直線單箭頭接點 36">
@@ -4040,7 +4163,7 @@
         </p:nvCxnSpPr>
         <p:spPr>
           <a:xfrm>
-            <a:off x="4665712" y="1712806"/>
+            <a:off x="4730957" y="2147001"/>
             <a:ext cx="0" cy="267524"/>
           </a:xfrm>
           <a:prstGeom prst="straightConnector1">
@@ -4081,7 +4204,7 @@
         </p:nvCxnSpPr>
         <p:spPr>
           <a:xfrm>
-            <a:off x="4673617" y="2477684"/>
+            <a:off x="4738862" y="2911879"/>
             <a:ext cx="0" cy="267524"/>
           </a:xfrm>
           <a:prstGeom prst="straightConnector1">
@@ -4120,46 +4243,7 @@
         </p:nvCxnSpPr>
         <p:spPr>
           <a:xfrm>
-            <a:off x="4662463" y="3992015"/>
-            <a:ext cx="0" cy="267524"/>
-          </a:xfrm>
-          <a:prstGeom prst="straightConnector1">
-            <a:avLst/>
-          </a:prstGeom>
-          <a:ln>
-            <a:tailEnd type="triangle"/>
-          </a:ln>
-        </p:spPr>
-        <p:style>
-          <a:lnRef idx="2">
-            <a:schemeClr val="accent1"/>
-          </a:lnRef>
-          <a:fillRef idx="0">
-            <a:schemeClr val="accent1"/>
-          </a:fillRef>
-          <a:effectRef idx="1">
-            <a:schemeClr val="accent1"/>
-          </a:effectRef>
-          <a:fontRef idx="minor">
-            <a:schemeClr val="tx1"/>
-          </a:fontRef>
-        </p:style>
-      </p:cxnSp>
-      <p:cxnSp>
-        <p:nvCxnSpPr>
-          <p:cNvPr id="41" name="直線單箭頭接點 40">
-            <a:extLst>
-              <a:ext uri="{FF2B5EF4-FFF2-40B4-BE49-F238E27FC236}">
-                <a16:creationId xmlns:a16="http://schemas.microsoft.com/office/drawing/2014/main" id="{FE35E9AF-D2DA-E025-B7B0-86DF8C2BD379}"/>
-              </a:ext>
-            </a:extLst>
-          </p:cNvPr>
-          <p:cNvCxnSpPr/>
-          <p:nvPr/>
-        </p:nvCxnSpPr>
-        <p:spPr>
-          <a:xfrm>
-            <a:off x="4662463" y="4752768"/>
+            <a:off x="4730957" y="3667871"/>
             <a:ext cx="0" cy="267524"/>
           </a:xfrm>
           <a:prstGeom prst="straightConnector1">
@@ -4198,7 +4282,7 @@
         </p:nvCxnSpPr>
         <p:spPr>
           <a:xfrm>
-            <a:off x="4682179" y="5532101"/>
+            <a:off x="4738862" y="4455988"/>
             <a:ext cx="0" cy="267524"/>
           </a:xfrm>
           <a:prstGeom prst="straightConnector1">
@@ -4237,7 +4321,7 @@
         </p:nvCxnSpPr>
         <p:spPr>
           <a:xfrm flipV="1">
-            <a:off x="5478386" y="3754471"/>
+            <a:off x="5543631" y="3419400"/>
             <a:ext cx="512408" cy="2791"/>
           </a:xfrm>
           <a:prstGeom prst="straightConnector1">
@@ -4279,7 +4363,7 @@
         </p:nvSpPr>
         <p:spPr>
           <a:xfrm>
-            <a:off x="6201208" y="3554416"/>
+            <a:off x="6183101" y="3170169"/>
             <a:ext cx="6097022" cy="400110"/>
           </a:xfrm>
           <a:prstGeom prst="rect">
@@ -4323,7 +4407,7 @@
         </p:nvCxnSpPr>
         <p:spPr>
           <a:xfrm flipV="1">
-            <a:off x="5464945" y="2979478"/>
+            <a:off x="5561009" y="4204162"/>
             <a:ext cx="512408" cy="2791"/>
           </a:xfrm>
           <a:prstGeom prst="straightConnector1">
@@ -4365,7 +4449,7 @@
         </p:nvSpPr>
         <p:spPr>
           <a:xfrm>
-            <a:off x="6149044" y="2676096"/>
+            <a:off x="6250994" y="4015626"/>
             <a:ext cx="4983314" cy="707886"/>
           </a:xfrm>
           <a:prstGeom prst="rect">
@@ -4384,90 +4468,28 @@
               <a:t>Method:</a:t>
             </a:r>
             <a:r>
-              <a:rPr lang="en-US" altLang="zh-TW" sz="2000" b="0" i="0" u="none" strike="noStrike" baseline="0" dirty="0">
-                <a:latin typeface="NimbusRomNo9L-Medi"/>
-              </a:rPr>
-              <a:t> An Effective Legalization Algorithm for Mixed-Cell-Height Standard Cells</a:t>
+              <a:rPr lang="zh-TW" altLang="en-US" sz="2000" dirty="0"/>
+              <a:t> </a:t>
+            </a:r>
+            <a:r>
+              <a:rPr lang="en-US" altLang="zh-TW" sz="2000" dirty="0"/>
+              <a:t>1.</a:t>
+            </a:r>
+            <a:r>
+              <a:rPr lang="zh-TW" altLang="en-US" sz="2000" dirty="0"/>
+              <a:t> </a:t>
+            </a:r>
+            <a:r>
+              <a:rPr lang="en-US" altLang="zh-TW" sz="2000" dirty="0"/>
+              <a:t>Abacus-based</a:t>
+            </a:r>
+          </a:p>
+          <a:p>
+            <a:r>
+              <a:rPr lang="en-US" altLang="zh-TW" sz="2000" dirty="0"/>
+              <a:t>                   </a:t>
             </a:r>
             <a:endParaRPr lang="zh-TW" altLang="en-US" sz="2000" dirty="0"/>
-          </a:p>
-        </p:txBody>
-      </p:sp>
-      <p:cxnSp>
-        <p:nvCxnSpPr>
-          <p:cNvPr id="22" name="Straight Arrow Connector 21">
-            <a:extLst>
-              <a:ext uri="{FF2B5EF4-FFF2-40B4-BE49-F238E27FC236}">
-                <a16:creationId xmlns:a16="http://schemas.microsoft.com/office/drawing/2014/main" id="{69B3A1FA-DCF4-CEA4-93F7-E8FD18C76DFE}"/>
-              </a:ext>
-            </a:extLst>
-          </p:cNvPr>
-          <p:cNvCxnSpPr/>
-          <p:nvPr/>
-        </p:nvCxnSpPr>
-        <p:spPr>
-          <a:xfrm flipV="1">
-            <a:off x="5870139" y="4473768"/>
-            <a:ext cx="512408" cy="2791"/>
-          </a:xfrm>
-          <a:prstGeom prst="straightConnector1">
-            <a:avLst/>
-          </a:prstGeom>
-          <a:ln>
-            <a:solidFill>
-              <a:srgbClr val="FF0000"/>
-            </a:solidFill>
-            <a:tailEnd type="triangle"/>
-          </a:ln>
-        </p:spPr>
-        <p:style>
-          <a:lnRef idx="2">
-            <a:schemeClr val="accent2"/>
-          </a:lnRef>
-          <a:fillRef idx="0">
-            <a:schemeClr val="accent2"/>
-          </a:fillRef>
-          <a:effectRef idx="1">
-            <a:schemeClr val="accent2"/>
-          </a:effectRef>
-          <a:fontRef idx="minor">
-            <a:schemeClr val="tx1"/>
-          </a:fontRef>
-        </p:style>
-      </p:cxnSp>
-      <p:sp>
-        <p:nvSpPr>
-          <p:cNvPr id="24" name="TextBox 23">
-            <a:extLst>
-              <a:ext uri="{FF2B5EF4-FFF2-40B4-BE49-F238E27FC236}">
-                <a16:creationId xmlns:a16="http://schemas.microsoft.com/office/drawing/2014/main" id="{25C539C1-80C7-3790-18C7-A596FE481EB1}"/>
-              </a:ext>
-            </a:extLst>
-          </p:cNvPr>
-          <p:cNvSpPr txBox="1"/>
-          <p:nvPr/>
-        </p:nvSpPr>
-        <p:spPr>
-          <a:xfrm>
-            <a:off x="6443758" y="4262250"/>
-            <a:ext cx="6149186" cy="369332"/>
-          </a:xfrm>
-          <a:prstGeom prst="rect">
-            <a:avLst/>
-          </a:prstGeom>
-          <a:noFill/>
-        </p:spPr>
-        <p:txBody>
-          <a:bodyPr wrap="square">
-            <a:spAutoFit/>
-          </a:bodyPr>
-          <a:lstStyle/>
-          <a:p>
-            <a:r>
-              <a:rPr lang="en-US" altLang="zh-TW" sz="1800" dirty="0"/>
-              <a:t>NTUplace3</a:t>
-            </a:r>
-            <a:endParaRPr lang="zh-TW" altLang="en-US" sz="1800" dirty="0"/>
           </a:p>
         </p:txBody>
       </p:sp>
@@ -4627,6 +4649,96 @@
   <p:cSld>
     <p:spTree>
       <p:nvGrpSpPr>
+        <p:cNvPr id="1" name=""/>
+        <p:cNvGrpSpPr/>
+        <p:nvPr/>
+      </p:nvGrpSpPr>
+      <p:grpSpPr>
+        <a:xfrm>
+          <a:off x="0" y="0"/>
+          <a:ext cx="0" cy="0"/>
+          <a:chOff x="0" y="0"/>
+          <a:chExt cx="0" cy="0"/>
+        </a:xfrm>
+      </p:grpSpPr>
+      <p:pic>
+        <p:nvPicPr>
+          <p:cNvPr id="13" name="圖片 12">
+            <a:extLst>
+              <a:ext uri="{FF2B5EF4-FFF2-40B4-BE49-F238E27FC236}">
+                <a16:creationId xmlns:a16="http://schemas.microsoft.com/office/drawing/2014/main" id="{6E437DBD-3771-F16F-4A48-F88A4B9091E3}"/>
+              </a:ext>
+            </a:extLst>
+          </p:cNvPr>
+          <p:cNvPicPr>
+            <a:picLocks noChangeAspect="1"/>
+          </p:cNvPicPr>
+          <p:nvPr/>
+        </p:nvPicPr>
+        <p:blipFill>
+          <a:blip r:embed="rId2"/>
+          <a:stretch>
+            <a:fillRect/>
+          </a:stretch>
+        </p:blipFill>
+        <p:spPr>
+          <a:xfrm>
+            <a:off x="2205101" y="3873402"/>
+            <a:ext cx="7492085" cy="2092831"/>
+          </a:xfrm>
+          <a:prstGeom prst="rect">
+            <a:avLst/>
+          </a:prstGeom>
+        </p:spPr>
+      </p:pic>
+      <p:pic>
+        <p:nvPicPr>
+          <p:cNvPr id="15" name="圖片 14">
+            <a:extLst>
+              <a:ext uri="{FF2B5EF4-FFF2-40B4-BE49-F238E27FC236}">
+                <a16:creationId xmlns:a16="http://schemas.microsoft.com/office/drawing/2014/main" id="{1A150F79-7705-0BF1-F2AE-73E76C890146}"/>
+              </a:ext>
+            </a:extLst>
+          </p:cNvPr>
+          <p:cNvPicPr>
+            <a:picLocks noChangeAspect="1"/>
+          </p:cNvPicPr>
+          <p:nvPr/>
+        </p:nvPicPr>
+        <p:blipFill>
+          <a:blip r:embed="rId3"/>
+          <a:stretch>
+            <a:fillRect/>
+          </a:stretch>
+        </p:blipFill>
+        <p:spPr>
+          <a:xfrm>
+            <a:off x="2539383" y="1958270"/>
+            <a:ext cx="7157803" cy="1710187"/>
+          </a:xfrm>
+          <a:prstGeom prst="rect">
+            <a:avLst/>
+          </a:prstGeom>
+        </p:spPr>
+      </p:pic>
+    </p:spTree>
+    <p:extLst>
+      <p:ext uri="{BB962C8B-B14F-4D97-AF65-F5344CB8AC3E}">
+        <p14:creationId xmlns:p14="http://schemas.microsoft.com/office/powerpoint/2010/main" val="2938022146"/>
+      </p:ext>
+    </p:extLst>
+  </p:cSld>
+  <p:clrMapOvr>
+    <a:masterClrMapping/>
+  </p:clrMapOvr>
+</p:sld>
+</file>
+
+<file path=ppt/slides/slide5.xml><?xml version="1.0" encoding="utf-8"?>
+<p:sld xmlns:a="http://schemas.openxmlformats.org/drawingml/2006/main" xmlns:r="http://schemas.openxmlformats.org/officeDocument/2006/relationships" xmlns:p="http://schemas.openxmlformats.org/presentationml/2006/main">
+  <p:cSld>
+    <p:spTree>
+      <p:nvGrpSpPr>
         <p:cNvPr id="1" name="">
           <a:extLst>
             <a:ext uri="{FF2B5EF4-FFF2-40B4-BE49-F238E27FC236}">
@@ -4647,43 +4759,6 @@
       </p:grpSpPr>
       <p:sp>
         <p:nvSpPr>
-          <p:cNvPr id="2" name="Title 1">
-            <a:extLst>
-              <a:ext uri="{FF2B5EF4-FFF2-40B4-BE49-F238E27FC236}">
-                <a16:creationId xmlns:a16="http://schemas.microsoft.com/office/drawing/2014/main" id="{FFF1AD4E-A0D9-59D1-2940-8C1F854711CA}"/>
-              </a:ext>
-            </a:extLst>
-          </p:cNvPr>
-          <p:cNvSpPr>
-            <a:spLocks noGrp="1"/>
-          </p:cNvSpPr>
-          <p:nvPr>
-            <p:ph type="title"/>
-          </p:nvPr>
-        </p:nvSpPr>
-        <p:spPr/>
-        <p:txBody>
-          <a:bodyPr>
-            <a:normAutofit/>
-          </a:bodyPr>
-          <a:lstStyle/>
-          <a:p>
-            <a:r>
-              <a:rPr lang="en-US" altLang="zh-TW" sz="4000" dirty="0">
-                <a:latin typeface="Times New Roman" panose="02020603050405020304" pitchFamily="18" charset="0"/>
-                <a:cs typeface="Times New Roman" panose="02020603050405020304" pitchFamily="18" charset="0"/>
-              </a:rPr>
-              <a:t>Constraints</a:t>
-            </a:r>
-            <a:endParaRPr lang="zh-TW" altLang="en-US" sz="4000" dirty="0">
-              <a:latin typeface="Times New Roman" panose="02020603050405020304" pitchFamily="18" charset="0"/>
-              <a:cs typeface="Times New Roman" panose="02020603050405020304" pitchFamily="18" charset="0"/>
-            </a:endParaRPr>
-          </a:p>
-        </p:txBody>
-      </p:sp>
-      <p:sp>
-        <p:nvSpPr>
           <p:cNvPr id="4" name="投影片編號版面配置區 3">
             <a:extLst>
               <a:ext uri="{FF2B5EF4-FFF2-40B4-BE49-F238E27FC236}">
@@ -4714,7 +4789,7 @@
                   <a:schemeClr val="tx1"/>
                 </a:solidFill>
               </a:rPr>
-              <a:t>4</a:t>
+              <a:t>5</a:t>
             </a:fld>
             <a:endParaRPr lang="zh-TW" altLang="en-US" dirty="0">
               <a:solidFill>
@@ -4724,6 +4799,151 @@
           </a:p>
         </p:txBody>
       </p:sp>
+      <p:pic>
+        <p:nvPicPr>
+          <p:cNvPr id="13" name="圖片 12">
+            <a:extLst>
+              <a:ext uri="{FF2B5EF4-FFF2-40B4-BE49-F238E27FC236}">
+                <a16:creationId xmlns:a16="http://schemas.microsoft.com/office/drawing/2014/main" id="{F3681316-83E5-80AA-1F0D-10D2613607E6}"/>
+              </a:ext>
+            </a:extLst>
+          </p:cNvPr>
+          <p:cNvPicPr>
+            <a:picLocks noChangeAspect="1"/>
+          </p:cNvPicPr>
+          <p:nvPr/>
+        </p:nvPicPr>
+        <p:blipFill>
+          <a:blip r:embed="rId2"/>
+          <a:stretch>
+            <a:fillRect/>
+          </a:stretch>
+        </p:blipFill>
+        <p:spPr>
+          <a:xfrm>
+            <a:off x="3246716" y="746453"/>
+            <a:ext cx="5288450" cy="5365094"/>
+          </a:xfrm>
+          <a:prstGeom prst="rect">
+            <a:avLst/>
+          </a:prstGeom>
+        </p:spPr>
+      </p:pic>
+    </p:spTree>
+    <p:extLst>
+      <p:ext uri="{BB962C8B-B14F-4D97-AF65-F5344CB8AC3E}">
+        <p14:creationId xmlns:p14="http://schemas.microsoft.com/office/powerpoint/2010/main" val="1577133008"/>
+      </p:ext>
+    </p:extLst>
+  </p:cSld>
+  <p:clrMapOvr>
+    <a:masterClrMapping/>
+  </p:clrMapOvr>
+</p:sld>
+</file>
+
+<file path=ppt/slides/slide6.xml><?xml version="1.0" encoding="utf-8"?>
+<p:sld xmlns:a="http://schemas.openxmlformats.org/drawingml/2006/main" xmlns:r="http://schemas.openxmlformats.org/officeDocument/2006/relationships" xmlns:p="http://schemas.openxmlformats.org/presentationml/2006/main">
+  <p:cSld>
+    <p:spTree>
+      <p:nvGrpSpPr>
+        <p:cNvPr id="1" name="">
+          <a:extLst>
+            <a:ext uri="{FF2B5EF4-FFF2-40B4-BE49-F238E27FC236}">
+              <a16:creationId xmlns:a16="http://schemas.microsoft.com/office/drawing/2014/main" id="{41E3A742-02AA-FD83-6D24-D8775E707AF1}"/>
+            </a:ext>
+          </a:extLst>
+        </p:cNvPr>
+        <p:cNvGrpSpPr/>
+        <p:nvPr/>
+      </p:nvGrpSpPr>
+      <p:grpSpPr>
+        <a:xfrm>
+          <a:off x="0" y="0"/>
+          <a:ext cx="0" cy="0"/>
+          <a:chOff x="0" y="0"/>
+          <a:chExt cx="0" cy="0"/>
+        </a:xfrm>
+      </p:grpSpPr>
+      <p:sp>
+        <p:nvSpPr>
+          <p:cNvPr id="2" name="Title 1">
+            <a:extLst>
+              <a:ext uri="{FF2B5EF4-FFF2-40B4-BE49-F238E27FC236}">
+                <a16:creationId xmlns:a16="http://schemas.microsoft.com/office/drawing/2014/main" id="{FFF1AD4E-A0D9-59D1-2940-8C1F854711CA}"/>
+              </a:ext>
+            </a:extLst>
+          </p:cNvPr>
+          <p:cNvSpPr>
+            <a:spLocks noGrp="1"/>
+          </p:cNvSpPr>
+          <p:nvPr>
+            <p:ph type="title"/>
+          </p:nvPr>
+        </p:nvSpPr>
+        <p:spPr/>
+        <p:txBody>
+          <a:bodyPr>
+            <a:normAutofit/>
+          </a:bodyPr>
+          <a:lstStyle/>
+          <a:p>
+            <a:r>
+              <a:rPr lang="en-US" altLang="zh-TW" sz="4000" dirty="0">
+                <a:latin typeface="Times New Roman" panose="02020603050405020304" pitchFamily="18" charset="0"/>
+                <a:cs typeface="Times New Roman" panose="02020603050405020304" pitchFamily="18" charset="0"/>
+              </a:rPr>
+              <a:t>Cell and Row Selection</a:t>
+            </a:r>
+            <a:endParaRPr lang="zh-TW" altLang="en-US" sz="4000" dirty="0">
+              <a:latin typeface="Times New Roman" panose="02020603050405020304" pitchFamily="18" charset="0"/>
+              <a:cs typeface="Times New Roman" panose="02020603050405020304" pitchFamily="18" charset="0"/>
+            </a:endParaRPr>
+          </a:p>
+        </p:txBody>
+      </p:sp>
+      <p:sp>
+        <p:nvSpPr>
+          <p:cNvPr id="4" name="投影片編號版面配置區 3">
+            <a:extLst>
+              <a:ext uri="{FF2B5EF4-FFF2-40B4-BE49-F238E27FC236}">
+                <a16:creationId xmlns:a16="http://schemas.microsoft.com/office/drawing/2014/main" id="{AF1B160F-1DA0-C3E4-EDFF-A0EF03CAED0E}"/>
+              </a:ext>
+            </a:extLst>
+          </p:cNvPr>
+          <p:cNvSpPr>
+            <a:spLocks noGrp="1"/>
+          </p:cNvSpPr>
+          <p:nvPr>
+            <p:ph type="sldNum" sz="quarter" idx="12"/>
+          </p:nvPr>
+        </p:nvSpPr>
+        <p:spPr>
+          <a:xfrm>
+            <a:off x="8610600" y="6310312"/>
+            <a:ext cx="2743200" cy="365125"/>
+          </a:xfrm>
+        </p:spPr>
+        <p:txBody>
+          <a:bodyPr/>
+          <a:lstStyle/>
+          <a:p>
+            <a:fld id="{9CF5A83B-F48D-49CA-94CB-9DE72BA4E651}" type="slidenum">
+              <a:rPr lang="zh-TW" altLang="en-US" smtClean="0">
+                <a:solidFill>
+                  <a:schemeClr val="tx1"/>
+                </a:solidFill>
+              </a:rPr>
+              <a:t>6</a:t>
+            </a:fld>
+            <a:endParaRPr lang="zh-TW" altLang="en-US" dirty="0">
+              <a:solidFill>
+                <a:schemeClr val="tx1"/>
+              </a:solidFill>
+            </a:endParaRPr>
+          </a:p>
+        </p:txBody>
+      </p:sp>
       <p:sp>
         <p:nvSpPr>
           <p:cNvPr id="12" name="Content Placeholder 2">
@@ -4752,6 +4972,28 @@
           </a:bodyPr>
           <a:lstStyle/>
           <a:p>
+            <a:r>
+              <a:rPr lang="en-US" altLang="zh-TW" sz="2000" dirty="0">
+                <a:solidFill>
+                  <a:srgbClr val="000000"/>
+                </a:solidFill>
+                <a:latin typeface="Times New Roman" panose="02020603050405020304" pitchFamily="18" charset="0"/>
+                <a:cs typeface="Times New Roman" panose="02020603050405020304" pitchFamily="18" charset="0"/>
+              </a:rPr>
+              <a:t>Sort the cells by their x-coordinates in non-decreasing order</a:t>
+            </a:r>
+          </a:p>
+          <a:p>
+            <a:r>
+              <a:rPr lang="en-US" altLang="zh-TW" sz="2000" dirty="0">
+                <a:solidFill>
+                  <a:srgbClr val="000000"/>
+                </a:solidFill>
+                <a:latin typeface="Times New Roman" panose="02020603050405020304" pitchFamily="18" charset="0"/>
+                <a:cs typeface="Times New Roman" panose="02020603050405020304" pitchFamily="18" charset="0"/>
+              </a:rPr>
+              <a:t>C</a:t>
+            </a:r>
             <a:r>
               <a:rPr lang="en-US" altLang="zh-TW" sz="2000" b="0" i="0" u="none" strike="noStrike" baseline="0" dirty="0">
                 <a:solidFill>
@@ -4760,189 +5002,8 @@
                 <a:latin typeface="Times New Roman" panose="02020603050405020304" pitchFamily="18" charset="0"/>
                 <a:cs typeface="Times New Roman" panose="02020603050405020304" pitchFamily="18" charset="0"/>
               </a:rPr>
-              <a:t>All instances must be placed on-site and within the die region. </a:t>
-            </a:r>
-          </a:p>
-          <a:p>
-            <a:r>
-              <a:rPr lang="en-US" altLang="zh-TW" sz="2000" b="0" i="0" u="none" strike="noStrike" baseline="0" dirty="0">
-                <a:solidFill>
-                  <a:srgbClr val="000000"/>
-                </a:solidFill>
-                <a:latin typeface="Times New Roman" panose="02020603050405020304" pitchFamily="18" charset="0"/>
-                <a:cs typeface="Times New Roman" panose="02020603050405020304" pitchFamily="18" charset="0"/>
-              </a:rPr>
-              <a:t>No overlap</a:t>
-            </a:r>
-          </a:p>
-          <a:p>
-            <a:r>
-              <a:rPr lang="en-US" altLang="zh-TW" sz="2000" dirty="0">
-                <a:solidFill>
-                  <a:srgbClr val="FF0000"/>
-                </a:solidFill>
-                <a:latin typeface="Times New Roman" panose="02020603050405020304" pitchFamily="18" charset="0"/>
-                <a:cs typeface="Times New Roman" panose="02020603050405020304" pitchFamily="18" charset="0"/>
-              </a:rPr>
-              <a:t>Must satisfy utilization rate of each bin </a:t>
-            </a:r>
-            <a:endParaRPr lang="en-US" altLang="zh-TW" sz="2000" b="0" i="0" u="none" strike="noStrike" baseline="0" dirty="0">
-              <a:solidFill>
-                <a:srgbClr val="FF0000"/>
-              </a:solidFill>
-              <a:latin typeface="Times New Roman" panose="02020603050405020304" pitchFamily="18" charset="0"/>
-              <a:cs typeface="Times New Roman" panose="02020603050405020304" pitchFamily="18" charset="0"/>
-            </a:endParaRPr>
-          </a:p>
-          <a:p>
-            <a:r>
-              <a:rPr lang="en-US" altLang="zh-TW" sz="2000" b="0" i="0" u="none" strike="noStrike" baseline="0" dirty="0">
-                <a:solidFill>
-                  <a:srgbClr val="000000"/>
-                </a:solidFill>
-                <a:latin typeface="Times New Roman" panose="02020603050405020304" pitchFamily="18" charset="0"/>
-                <a:cs typeface="Times New Roman" panose="02020603050405020304" pitchFamily="18" charset="0"/>
-              </a:rPr>
-              <a:t>Banking / Debanking Criteria :</a:t>
-            </a:r>
-          </a:p>
-          <a:p>
-            <a:pPr lvl="1"/>
-            <a:r>
-              <a:rPr lang="en-US" altLang="zh-TW" sz="2000" dirty="0">
-                <a:solidFill>
-                  <a:srgbClr val="000000"/>
-                </a:solidFill>
-                <a:latin typeface="Times New Roman" panose="02020603050405020304" pitchFamily="18" charset="0"/>
-                <a:cs typeface="Times New Roman" panose="02020603050405020304" pitchFamily="18" charset="0"/>
-              </a:rPr>
-              <a:t>A</a:t>
-            </a:r>
-            <a:r>
-              <a:rPr lang="en-US" altLang="zh-TW" sz="2000" b="0" i="0" u="none" strike="noStrike" baseline="0" dirty="0">
-                <a:solidFill>
-                  <a:srgbClr val="000000"/>
-                </a:solidFill>
-                <a:latin typeface="Times New Roman" panose="02020603050405020304" pitchFamily="18" charset="0"/>
-                <a:cs typeface="Times New Roman" panose="02020603050405020304" pitchFamily="18" charset="0"/>
-              </a:rPr>
-              <a:t>ll </a:t>
-            </a:r>
-            <a:r>
-              <a:rPr lang="en-US" altLang="zh-TW" sz="2000" b="0" i="0" u="none" strike="noStrike" baseline="0" dirty="0">
-                <a:solidFill>
-                  <a:srgbClr val="0070C0"/>
-                </a:solidFill>
-                <a:latin typeface="Times New Roman" panose="02020603050405020304" pitchFamily="18" charset="0"/>
-                <a:cs typeface="Times New Roman" panose="02020603050405020304" pitchFamily="18" charset="0"/>
-              </a:rPr>
-              <a:t>D pin and Q pin connections need to remain functionally equivalent </a:t>
-            </a:r>
-            <a:r>
-              <a:rPr lang="en-US" altLang="zh-TW" sz="2000" b="0" i="0" u="none" strike="noStrike" baseline="0" dirty="0">
-                <a:solidFill>
-                  <a:srgbClr val="000000"/>
-                </a:solidFill>
-                <a:latin typeface="Times New Roman" panose="02020603050405020304" pitchFamily="18" charset="0"/>
-                <a:cs typeface="Times New Roman" panose="02020603050405020304" pitchFamily="18" charset="0"/>
-              </a:rPr>
-              <a:t>after banking /</a:t>
-            </a:r>
-            <a:r>
-              <a:rPr lang="zh-TW" altLang="en-US" sz="2000" b="0" i="0" u="none" strike="noStrike" baseline="0" dirty="0">
-                <a:solidFill>
-                  <a:srgbClr val="000000"/>
-                </a:solidFill>
-                <a:latin typeface="Times New Roman" panose="02020603050405020304" pitchFamily="18" charset="0"/>
-                <a:cs typeface="Times New Roman" panose="02020603050405020304" pitchFamily="18" charset="0"/>
-              </a:rPr>
-              <a:t> </a:t>
-            </a:r>
-            <a:r>
-              <a:rPr lang="en-US" altLang="zh-TW" sz="2000" b="0" i="0" u="none" strike="noStrike" baseline="0" dirty="0">
-                <a:solidFill>
-                  <a:srgbClr val="000000"/>
-                </a:solidFill>
-                <a:latin typeface="Times New Roman" panose="02020603050405020304" pitchFamily="18" charset="0"/>
-                <a:cs typeface="Times New Roman" panose="02020603050405020304" pitchFamily="18" charset="0"/>
-              </a:rPr>
-              <a:t>debanking, and all </a:t>
-            </a:r>
-            <a:r>
-              <a:rPr lang="en-US" altLang="zh-TW" sz="2000" b="0" i="0" u="none" strike="noStrike" baseline="0" dirty="0">
-                <a:solidFill>
-                  <a:srgbClr val="0070C0"/>
-                </a:solidFill>
-                <a:latin typeface="Times New Roman" panose="02020603050405020304" pitchFamily="18" charset="0"/>
-                <a:cs typeface="Times New Roman" panose="02020603050405020304" pitchFamily="18" charset="0"/>
-              </a:rPr>
-              <a:t>CLK pins need to remain connected to the same clock net</a:t>
-            </a:r>
-            <a:r>
-              <a:rPr lang="en-US" altLang="zh-TW" sz="2000" b="0" i="0" u="none" strike="noStrike" baseline="0" dirty="0">
-                <a:solidFill>
-                  <a:srgbClr val="000000"/>
-                </a:solidFill>
-                <a:latin typeface="Times New Roman" panose="02020603050405020304" pitchFamily="18" charset="0"/>
-                <a:cs typeface="Times New Roman" panose="02020603050405020304" pitchFamily="18" charset="0"/>
-              </a:rPr>
-              <a:t>. </a:t>
-            </a:r>
-          </a:p>
-          <a:p>
-            <a:pPr lvl="1"/>
-            <a:r>
-              <a:rPr lang="en-US" altLang="zh-TW" sz="2000" b="0" i="0" u="none" strike="noStrike" baseline="0" dirty="0">
-                <a:solidFill>
-                  <a:srgbClr val="000000"/>
-                </a:solidFill>
-                <a:latin typeface="Times New Roman" panose="02020603050405020304" pitchFamily="18" charset="0"/>
-                <a:cs typeface="Times New Roman" panose="02020603050405020304" pitchFamily="18" charset="0"/>
-              </a:rPr>
-              <a:t>If there is any </a:t>
-            </a:r>
-            <a:r>
-              <a:rPr lang="en-US" altLang="zh-TW" sz="2000" b="0" i="0" u="none" strike="noStrike" baseline="0" dirty="0">
-                <a:solidFill>
-                  <a:srgbClr val="FF0000"/>
-                </a:solidFill>
-                <a:latin typeface="Times New Roman" panose="02020603050405020304" pitchFamily="18" charset="0"/>
-                <a:cs typeface="Times New Roman" panose="02020603050405020304" pitchFamily="18" charset="0"/>
-              </a:rPr>
-              <a:t>design for testability (DFT) scan chain connection </a:t>
-            </a:r>
-            <a:r>
-              <a:rPr lang="en-US" altLang="zh-TW" sz="2000" b="0" i="0" u="none" strike="noStrike" baseline="0" dirty="0">
-                <a:solidFill>
-                  <a:srgbClr val="000000"/>
-                </a:solidFill>
-                <a:latin typeface="Times New Roman" panose="02020603050405020304" pitchFamily="18" charset="0"/>
-                <a:cs typeface="Times New Roman" panose="02020603050405020304" pitchFamily="18" charset="0"/>
-              </a:rPr>
-              <a:t>on scan-input (SI) or scan-output (SO) pins of the lower / higher-bit flip-flops, the banking / debanking process should </a:t>
-            </a:r>
-            <a:r>
-              <a:rPr lang="en-US" altLang="zh-TW" sz="2000" b="0" i="0" u="none" strike="noStrike" baseline="0" dirty="0">
-                <a:solidFill>
-                  <a:srgbClr val="FF0000"/>
-                </a:solidFill>
-                <a:latin typeface="Times New Roman" panose="02020603050405020304" pitchFamily="18" charset="0"/>
-                <a:cs typeface="Times New Roman" panose="02020603050405020304" pitchFamily="18" charset="0"/>
-              </a:rPr>
-              <a:t>honor the scan chain connection</a:t>
-            </a:r>
-            <a:r>
-              <a:rPr lang="en-US" altLang="zh-TW" sz="2000" b="0" i="0" u="none" strike="noStrike" baseline="0" dirty="0">
-                <a:solidFill>
-                  <a:srgbClr val="000000"/>
-                </a:solidFill>
-                <a:latin typeface="Times New Roman" panose="02020603050405020304" pitchFamily="18" charset="0"/>
-                <a:cs typeface="Times New Roman" panose="02020603050405020304" pitchFamily="18" charset="0"/>
-              </a:rPr>
-              <a:t>.</a:t>
-            </a:r>
-          </a:p>
-          <a:p>
+              <a:t>ost of each row:</a:t>
+            </a:r>
             <a:endParaRPr lang="en-US" altLang="zh-TW" sz="2400" i="0" dirty="0">
               <a:solidFill>
                 <a:srgbClr val="333333"/>
@@ -4956,10 +5017,10 @@
       </p:sp>
       <p:pic>
         <p:nvPicPr>
-          <p:cNvPr id="5" name="Picture 4">
-            <a:extLst>
-              <a:ext uri="{FF2B5EF4-FFF2-40B4-BE49-F238E27FC236}">
-                <a16:creationId xmlns:a16="http://schemas.microsoft.com/office/drawing/2014/main" id="{631EF7FA-435C-6977-8678-F0C04CAA74C4}"/>
+          <p:cNvPr id="9" name="圖片 8">
+            <a:extLst>
+              <a:ext uri="{FF2B5EF4-FFF2-40B4-BE49-F238E27FC236}">
+                <a16:creationId xmlns:a16="http://schemas.microsoft.com/office/drawing/2014/main" id="{AA73531F-61DD-69C9-8AB2-9EA47E617375}"/>
               </a:ext>
             </a:extLst>
           </p:cNvPr>
@@ -4970,13 +5031,14 @@
         </p:nvPicPr>
         <p:blipFill>
           <a:blip r:embed="rId2"/>
-          <a:srcRect t="2936" b="16549"/>
-          <a:stretch/>
+          <a:stretch>
+            <a:fillRect/>
+          </a:stretch>
         </p:blipFill>
         <p:spPr>
           <a:xfrm>
-            <a:off x="5248502" y="4640449"/>
-            <a:ext cx="4495839" cy="2169924"/>
+            <a:off x="3129855" y="2314578"/>
+            <a:ext cx="4963943" cy="709136"/>
           </a:xfrm>
           <a:prstGeom prst="rect">
             <a:avLst/>
@@ -4985,10 +5047,10 @@
       </p:pic>
       <p:pic>
         <p:nvPicPr>
-          <p:cNvPr id="6" name="圖片 5">
-            <a:extLst>
-              <a:ext uri="{FF2B5EF4-FFF2-40B4-BE49-F238E27FC236}">
-                <a16:creationId xmlns:a16="http://schemas.microsoft.com/office/drawing/2014/main" id="{CFDC1D95-AEED-B034-673F-6A76DB775DDF}"/>
+          <p:cNvPr id="11" name="圖片 10">
+            <a:extLst>
+              <a:ext uri="{FF2B5EF4-FFF2-40B4-BE49-F238E27FC236}">
+                <a16:creationId xmlns:a16="http://schemas.microsoft.com/office/drawing/2014/main" id="{D4537E58-A4E7-96F1-FD79-6377794CAACE}"/>
               </a:ext>
             </a:extLst>
           </p:cNvPr>
@@ -4999,14 +5061,13 @@
         </p:nvPicPr>
         <p:blipFill>
           <a:blip r:embed="rId3"/>
-          <a:stretch>
-            <a:fillRect/>
-          </a:stretch>
+          <a:srcRect b="3564"/>
+          <a:stretch/>
         </p:blipFill>
         <p:spPr>
           <a:xfrm>
-            <a:off x="7867050" y="182563"/>
-            <a:ext cx="4200207" cy="2416748"/>
+            <a:off x="2568526" y="3023714"/>
+            <a:ext cx="6675450" cy="3651723"/>
           </a:xfrm>
           <a:prstGeom prst="rect">
             <a:avLst/>
@@ -5017,6 +5078,351 @@
     <p:extLst>
       <p:ext uri="{BB962C8B-B14F-4D97-AF65-F5344CB8AC3E}">
         <p14:creationId xmlns:p14="http://schemas.microsoft.com/office/powerpoint/2010/main" val="1436749394"/>
+      </p:ext>
+    </p:extLst>
+  </p:cSld>
+  <p:clrMapOvr>
+    <a:masterClrMapping/>
+  </p:clrMapOvr>
+</p:sld>
+</file>
+
+<file path=ppt/slides/slide7.xml><?xml version="1.0" encoding="utf-8"?>
+<p:sld xmlns:a="http://schemas.openxmlformats.org/drawingml/2006/main" xmlns:r="http://schemas.openxmlformats.org/officeDocument/2006/relationships" xmlns:p="http://schemas.openxmlformats.org/presentationml/2006/main">
+  <p:cSld>
+    <p:spTree>
+      <p:nvGrpSpPr>
+        <p:cNvPr id="1" name="">
+          <a:extLst>
+            <a:ext uri="{FF2B5EF4-FFF2-40B4-BE49-F238E27FC236}">
+              <a16:creationId xmlns:a16="http://schemas.microsoft.com/office/drawing/2014/main" id="{41E3A742-02AA-FD83-6D24-D8775E707AF1}"/>
+            </a:ext>
+          </a:extLst>
+        </p:cNvPr>
+        <p:cNvGrpSpPr/>
+        <p:nvPr/>
+      </p:nvGrpSpPr>
+      <p:grpSpPr>
+        <a:xfrm>
+          <a:off x="0" y="0"/>
+          <a:ext cx="0" cy="0"/>
+          <a:chOff x="0" y="0"/>
+          <a:chExt cx="0" cy="0"/>
+        </a:xfrm>
+      </p:grpSpPr>
+      <p:sp>
+        <p:nvSpPr>
+          <p:cNvPr id="2" name="Title 1">
+            <a:extLst>
+              <a:ext uri="{FF2B5EF4-FFF2-40B4-BE49-F238E27FC236}">
+                <a16:creationId xmlns:a16="http://schemas.microsoft.com/office/drawing/2014/main" id="{FFF1AD4E-A0D9-59D1-2940-8C1F854711CA}"/>
+              </a:ext>
+            </a:extLst>
+          </p:cNvPr>
+          <p:cNvSpPr>
+            <a:spLocks noGrp="1"/>
+          </p:cNvSpPr>
+          <p:nvPr>
+            <p:ph type="title"/>
+          </p:nvPr>
+        </p:nvSpPr>
+        <p:spPr/>
+        <p:txBody>
+          <a:bodyPr>
+            <a:normAutofit/>
+          </a:bodyPr>
+          <a:lstStyle/>
+          <a:p>
+            <a:r>
+              <a:rPr lang="en-US" altLang="zh-TW" sz="4000" dirty="0">
+                <a:latin typeface="Times New Roman" panose="02020603050405020304" pitchFamily="18" charset="0"/>
+                <a:cs typeface="Times New Roman" panose="02020603050405020304" pitchFamily="18" charset="0"/>
+              </a:rPr>
+              <a:t>Cell and Row Selection</a:t>
+            </a:r>
+            <a:endParaRPr lang="zh-TW" altLang="en-US" sz="4000" dirty="0">
+              <a:latin typeface="Times New Roman" panose="02020603050405020304" pitchFamily="18" charset="0"/>
+              <a:cs typeface="Times New Roman" panose="02020603050405020304" pitchFamily="18" charset="0"/>
+            </a:endParaRPr>
+          </a:p>
+        </p:txBody>
+      </p:sp>
+      <p:sp>
+        <p:nvSpPr>
+          <p:cNvPr id="4" name="投影片編號版面配置區 3">
+            <a:extLst>
+              <a:ext uri="{FF2B5EF4-FFF2-40B4-BE49-F238E27FC236}">
+                <a16:creationId xmlns:a16="http://schemas.microsoft.com/office/drawing/2014/main" id="{AF1B160F-1DA0-C3E4-EDFF-A0EF03CAED0E}"/>
+              </a:ext>
+            </a:extLst>
+          </p:cNvPr>
+          <p:cNvSpPr>
+            <a:spLocks noGrp="1"/>
+          </p:cNvSpPr>
+          <p:nvPr>
+            <p:ph type="sldNum" sz="quarter" idx="12"/>
+          </p:nvPr>
+        </p:nvSpPr>
+        <p:spPr>
+          <a:xfrm>
+            <a:off x="8610600" y="6310312"/>
+            <a:ext cx="2743200" cy="365125"/>
+          </a:xfrm>
+        </p:spPr>
+        <p:txBody>
+          <a:bodyPr/>
+          <a:lstStyle/>
+          <a:p>
+            <a:fld id="{9CF5A83B-F48D-49CA-94CB-9DE72BA4E651}" type="slidenum">
+              <a:rPr lang="zh-TW" altLang="en-US" smtClean="0">
+                <a:solidFill>
+                  <a:schemeClr val="tx1"/>
+                </a:solidFill>
+              </a:rPr>
+              <a:t>7</a:t>
+            </a:fld>
+            <a:endParaRPr lang="zh-TW" altLang="en-US" dirty="0">
+              <a:solidFill>
+                <a:schemeClr val="tx1"/>
+              </a:solidFill>
+            </a:endParaRPr>
+          </a:p>
+        </p:txBody>
+      </p:sp>
+      <p:sp>
+        <p:nvSpPr>
+          <p:cNvPr id="12" name="Content Placeholder 2">
+            <a:extLst>
+              <a:ext uri="{FF2B5EF4-FFF2-40B4-BE49-F238E27FC236}">
+                <a16:creationId xmlns:a16="http://schemas.microsoft.com/office/drawing/2014/main" id="{BA0C352C-2877-8C9C-81C6-6296B760B894}"/>
+              </a:ext>
+            </a:extLst>
+          </p:cNvPr>
+          <p:cNvSpPr>
+            <a:spLocks noGrp="1"/>
+          </p:cNvSpPr>
+          <p:nvPr>
+            <p:ph idx="1"/>
+          </p:nvPr>
+        </p:nvSpPr>
+        <p:spPr>
+          <a:xfrm>
+            <a:off x="838200" y="1825624"/>
+            <a:ext cx="10515600" cy="4849813"/>
+          </a:xfrm>
+        </p:spPr>
+        <p:txBody>
+          <a:bodyPr>
+            <a:noAutofit/>
+          </a:bodyPr>
+          <a:lstStyle/>
+          <a:p>
+            <a:r>
+              <a:rPr lang="en-US" altLang="zh-TW" sz="2000" dirty="0">
+                <a:solidFill>
+                  <a:srgbClr val="000000"/>
+                </a:solidFill>
+                <a:latin typeface="Times New Roman" panose="02020603050405020304" pitchFamily="18" charset="0"/>
+                <a:cs typeface="Times New Roman" panose="02020603050405020304" pitchFamily="18" charset="0"/>
+              </a:rPr>
+              <a:t>Speed up this process by only placing cells into their neighboring rows</a:t>
+            </a:r>
+          </a:p>
+        </p:txBody>
+      </p:sp>
+      <p:pic>
+        <p:nvPicPr>
+          <p:cNvPr id="5" name="圖片 4">
+            <a:extLst>
+              <a:ext uri="{FF2B5EF4-FFF2-40B4-BE49-F238E27FC236}">
+                <a16:creationId xmlns:a16="http://schemas.microsoft.com/office/drawing/2014/main" id="{F1449278-8941-4B7B-4721-F89ED1BF8D84}"/>
+              </a:ext>
+            </a:extLst>
+          </p:cNvPr>
+          <p:cNvPicPr>
+            <a:picLocks noChangeAspect="1"/>
+          </p:cNvPicPr>
+          <p:nvPr/>
+        </p:nvPicPr>
+        <p:blipFill>
+          <a:blip r:embed="rId2"/>
+          <a:stretch>
+            <a:fillRect/>
+          </a:stretch>
+        </p:blipFill>
+        <p:spPr>
+          <a:xfrm>
+            <a:off x="2283553" y="2551367"/>
+            <a:ext cx="7322174" cy="3546787"/>
+          </a:xfrm>
+          <a:prstGeom prst="rect">
+            <a:avLst/>
+          </a:prstGeom>
+        </p:spPr>
+      </p:pic>
+    </p:spTree>
+    <p:extLst>
+      <p:ext uri="{BB962C8B-B14F-4D97-AF65-F5344CB8AC3E}">
+        <p14:creationId xmlns:p14="http://schemas.microsoft.com/office/powerpoint/2010/main" val="3303683658"/>
+      </p:ext>
+    </p:extLst>
+  </p:cSld>
+  <p:clrMapOvr>
+    <a:masterClrMapping/>
+  </p:clrMapOvr>
+</p:sld>
+</file>
+
+<file path=ppt/slides/slide8.xml><?xml version="1.0" encoding="utf-8"?>
+<p:sld xmlns:a="http://schemas.openxmlformats.org/drawingml/2006/main" xmlns:r="http://schemas.openxmlformats.org/officeDocument/2006/relationships" xmlns:p="http://schemas.openxmlformats.org/presentationml/2006/main">
+  <p:cSld>
+    <p:spTree>
+      <p:nvGrpSpPr>
+        <p:cNvPr id="1" name="">
+          <a:extLst>
+            <a:ext uri="{FF2B5EF4-FFF2-40B4-BE49-F238E27FC236}">
+              <a16:creationId xmlns:a16="http://schemas.microsoft.com/office/drawing/2014/main" id="{41E3A742-02AA-FD83-6D24-D8775E707AF1}"/>
+            </a:ext>
+          </a:extLst>
+        </p:cNvPr>
+        <p:cNvGrpSpPr/>
+        <p:nvPr/>
+      </p:nvGrpSpPr>
+      <p:grpSpPr>
+        <a:xfrm>
+          <a:off x="0" y="0"/>
+          <a:ext cx="0" cy="0"/>
+          <a:chOff x="0" y="0"/>
+          <a:chExt cx="0" cy="0"/>
+        </a:xfrm>
+      </p:grpSpPr>
+      <p:sp>
+        <p:nvSpPr>
+          <p:cNvPr id="2" name="Title 1">
+            <a:extLst>
+              <a:ext uri="{FF2B5EF4-FFF2-40B4-BE49-F238E27FC236}">
+                <a16:creationId xmlns:a16="http://schemas.microsoft.com/office/drawing/2014/main" id="{FFF1AD4E-A0D9-59D1-2940-8C1F854711CA}"/>
+              </a:ext>
+            </a:extLst>
+          </p:cNvPr>
+          <p:cNvSpPr>
+            <a:spLocks noGrp="1"/>
+          </p:cNvSpPr>
+          <p:nvPr>
+            <p:ph type="title"/>
+          </p:nvPr>
+        </p:nvSpPr>
+        <p:spPr/>
+        <p:txBody>
+          <a:bodyPr>
+            <a:normAutofit/>
+          </a:bodyPr>
+          <a:lstStyle/>
+          <a:p>
+            <a:r>
+              <a:rPr lang="en-US" altLang="zh-TW" sz="4000" dirty="0">
+                <a:latin typeface="Times New Roman" panose="02020603050405020304" pitchFamily="18" charset="0"/>
+                <a:cs typeface="Times New Roman" panose="02020603050405020304" pitchFamily="18" charset="0"/>
+              </a:rPr>
+              <a:t>Multi-</a:t>
+            </a:r>
+            <a:r>
+              <a:rPr lang="en-US" altLang="zh-TW" sz="4000" dirty="0" err="1">
+                <a:latin typeface="Times New Roman" panose="02020603050405020304" pitchFamily="18" charset="0"/>
+                <a:cs typeface="Times New Roman" panose="02020603050405020304" pitchFamily="18" charset="0"/>
+              </a:rPr>
+              <a:t>PlaceRow</a:t>
+            </a:r>
+            <a:r>
+              <a:rPr lang="en-US" altLang="zh-TW" sz="4000" dirty="0">
+                <a:latin typeface="Times New Roman" panose="02020603050405020304" pitchFamily="18" charset="0"/>
+                <a:cs typeface="Times New Roman" panose="02020603050405020304" pitchFamily="18" charset="0"/>
+              </a:rPr>
+              <a:t> Method</a:t>
+            </a:r>
+            <a:endParaRPr lang="zh-TW" altLang="en-US" sz="4000" dirty="0">
+              <a:latin typeface="Times New Roman" panose="02020603050405020304" pitchFamily="18" charset="0"/>
+              <a:cs typeface="Times New Roman" panose="02020603050405020304" pitchFamily="18" charset="0"/>
+            </a:endParaRPr>
+          </a:p>
+        </p:txBody>
+      </p:sp>
+      <p:sp>
+        <p:nvSpPr>
+          <p:cNvPr id="4" name="投影片編號版面配置區 3">
+            <a:extLst>
+              <a:ext uri="{FF2B5EF4-FFF2-40B4-BE49-F238E27FC236}">
+                <a16:creationId xmlns:a16="http://schemas.microsoft.com/office/drawing/2014/main" id="{AF1B160F-1DA0-C3E4-EDFF-A0EF03CAED0E}"/>
+              </a:ext>
+            </a:extLst>
+          </p:cNvPr>
+          <p:cNvSpPr>
+            <a:spLocks noGrp="1"/>
+          </p:cNvSpPr>
+          <p:nvPr>
+            <p:ph type="sldNum" sz="quarter" idx="12"/>
+          </p:nvPr>
+        </p:nvSpPr>
+        <p:spPr>
+          <a:xfrm>
+            <a:off x="8610600" y="6310312"/>
+            <a:ext cx="2743200" cy="365125"/>
+          </a:xfrm>
+        </p:spPr>
+        <p:txBody>
+          <a:bodyPr/>
+          <a:lstStyle/>
+          <a:p>
+            <a:fld id="{9CF5A83B-F48D-49CA-94CB-9DE72BA4E651}" type="slidenum">
+              <a:rPr lang="zh-TW" altLang="en-US" smtClean="0">
+                <a:solidFill>
+                  <a:schemeClr val="tx1"/>
+                </a:solidFill>
+              </a:rPr>
+              <a:t>8</a:t>
+            </a:fld>
+            <a:endParaRPr lang="zh-TW" altLang="en-US" dirty="0">
+              <a:solidFill>
+                <a:schemeClr val="tx1"/>
+              </a:solidFill>
+            </a:endParaRPr>
+          </a:p>
+        </p:txBody>
+      </p:sp>
+      <p:pic>
+        <p:nvPicPr>
+          <p:cNvPr id="7" name="圖片 6">
+            <a:extLst>
+              <a:ext uri="{FF2B5EF4-FFF2-40B4-BE49-F238E27FC236}">
+                <a16:creationId xmlns:a16="http://schemas.microsoft.com/office/drawing/2014/main" id="{809B4304-6E11-431C-FAC1-4E4C581B6807}"/>
+              </a:ext>
+            </a:extLst>
+          </p:cNvPr>
+          <p:cNvPicPr>
+            <a:picLocks noChangeAspect="1"/>
+          </p:cNvPicPr>
+          <p:nvPr/>
+        </p:nvPicPr>
+        <p:blipFill>
+          <a:blip r:embed="rId2"/>
+          <a:stretch>
+            <a:fillRect/>
+          </a:stretch>
+        </p:blipFill>
+        <p:spPr>
+          <a:xfrm>
+            <a:off x="2993229" y="2764797"/>
+            <a:ext cx="6898436" cy="3215470"/>
+          </a:xfrm>
+          <a:prstGeom prst="rect">
+            <a:avLst/>
+          </a:prstGeom>
+        </p:spPr>
+      </p:pic>
+    </p:spTree>
+    <p:extLst>
+      <p:ext uri="{BB962C8B-B14F-4D97-AF65-F5344CB8AC3E}">
+        <p14:creationId xmlns:p14="http://schemas.microsoft.com/office/powerpoint/2010/main" val="3069806366"/>
       </p:ext>
     </p:extLst>
   </p:cSld>
